--- a/CyberШарики.pptx
+++ b/CyberШарики.pptx
@@ -14,7 +14,6 @@
     <p:sldId id="262" r:id="rId8"/>
     <p:sldId id="263" r:id="rId9"/>
     <p:sldId id="264" r:id="rId10"/>
-    <p:sldId id="265" r:id="rId11"/>
   </p:sldIdLst>
   <p:sldSz cx="12192000" cy="6858000"/>
   <p:notesSz cx="6858000" cy="9144000"/>
@@ -113,6 +112,11 @@
       </a:defRPr>
     </a:lvl9pPr>
   </p:defaultTextStyle>
+  <p:extLst>
+    <p:ext uri="{EFAFB233-063F-42B5-8137-9DF3F51BA10A}">
+      <p15:sldGuideLst xmlns:p15="http://schemas.microsoft.com/office/powerpoint/2012/main"/>
+    </p:ext>
+  </p:extLst>
 </p:presentation>
 </file>
 
@@ -166,7 +170,7 @@
           <a:noFill/>
           <a:extLst>
             <a:ext uri="{909E8E84-426E-40dd-AFC4-6F175D3DCCD1}">
-              <a14:hiddenFill xmlns:a14="http://schemas.microsoft.com/office/drawing/2010/main" xmlns="">
+              <a14:hiddenFill xmlns="" xmlns:a14="http://schemas.microsoft.com/office/drawing/2010/main">
                 <a:solidFill>
                   <a:srgbClr val="FFFFFF"/>
                 </a:solidFill>
@@ -226,7 +230,7 @@
             </a:ln>
             <a:extLst>
               <a:ext uri="{91240B29-F687-4f45-9708-019B960494DF}">
-                <a14:hiddenLine xmlns:a14="http://schemas.microsoft.com/office/drawing/2010/main" xmlns="" w="9525">
+                <a14:hiddenLine xmlns="" xmlns:a14="http://schemas.microsoft.com/office/drawing/2010/main" w="9525">
                   <a:solidFill>
                     <a:srgbClr val="000000"/>
                   </a:solidFill>
@@ -316,7 +320,7 @@
             </a:ln>
             <a:extLst>
               <a:ext uri="{91240B29-F687-4f45-9708-019B960494DF}">
-                <a14:hiddenLine xmlns:a14="http://schemas.microsoft.com/office/drawing/2010/main" xmlns="" w="9525">
+                <a14:hiddenLine xmlns="" xmlns:a14="http://schemas.microsoft.com/office/drawing/2010/main" w="9525">
                   <a:solidFill>
                     <a:srgbClr val="000000"/>
                   </a:solidFill>
@@ -406,7 +410,7 @@
             </a:ln>
             <a:extLst>
               <a:ext uri="{91240B29-F687-4f45-9708-019B960494DF}">
-                <a14:hiddenLine xmlns:a14="http://schemas.microsoft.com/office/drawing/2010/main" xmlns="" w="9525">
+                <a14:hiddenLine xmlns="" xmlns:a14="http://schemas.microsoft.com/office/drawing/2010/main" w="9525">
                   <a:solidFill>
                     <a:srgbClr val="000000"/>
                   </a:solidFill>
@@ -440,7 +444,7 @@
             </a:ln>
             <a:extLst>
               <a:ext uri="{91240B29-F687-4f45-9708-019B960494DF}">
-                <a14:hiddenLine xmlns:a14="http://schemas.microsoft.com/office/drawing/2010/main" xmlns="" w="9525">
+                <a14:hiddenLine xmlns="" xmlns:a14="http://schemas.microsoft.com/office/drawing/2010/main" w="9525">
                   <a:solidFill>
                     <a:srgbClr val="000000"/>
                   </a:solidFill>
@@ -530,7 +534,7 @@
             </a:ln>
             <a:extLst>
               <a:ext uri="{91240B29-F687-4f45-9708-019B960494DF}">
-                <a14:hiddenLine xmlns:a14="http://schemas.microsoft.com/office/drawing/2010/main" xmlns="" w="9525">
+                <a14:hiddenLine xmlns="" xmlns:a14="http://schemas.microsoft.com/office/drawing/2010/main" w="9525">
                   <a:solidFill>
                     <a:srgbClr val="000000"/>
                   </a:solidFill>
@@ -592,7 +596,7 @@
             </a:ln>
             <a:extLst>
               <a:ext uri="{91240B29-F687-4f45-9708-019B960494DF}">
-                <a14:hiddenLine xmlns:a14="http://schemas.microsoft.com/office/drawing/2010/main" xmlns="" w="9525">
+                <a14:hiddenLine xmlns="" xmlns:a14="http://schemas.microsoft.com/office/drawing/2010/main" w="9525">
                   <a:solidFill>
                     <a:srgbClr val="000000"/>
                   </a:solidFill>
@@ -654,7 +658,7 @@
             </a:ln>
             <a:extLst>
               <a:ext uri="{91240B29-F687-4f45-9708-019B960494DF}">
-                <a14:hiddenLine xmlns:a14="http://schemas.microsoft.com/office/drawing/2010/main" xmlns="" w="9525">
+                <a14:hiddenLine xmlns="" xmlns:a14="http://schemas.microsoft.com/office/drawing/2010/main" w="9525">
                   <a:solidFill>
                     <a:srgbClr val="000000"/>
                   </a:solidFill>
@@ -744,7 +748,7 @@
             </a:ln>
             <a:extLst>
               <a:ext uri="{91240B29-F687-4f45-9708-019B960494DF}">
-                <a14:hiddenLine xmlns:a14="http://schemas.microsoft.com/office/drawing/2010/main" xmlns="" w="9525">
+                <a14:hiddenLine xmlns="" xmlns:a14="http://schemas.microsoft.com/office/drawing/2010/main" w="9525">
                   <a:solidFill>
                     <a:srgbClr val="000000"/>
                   </a:solidFill>
@@ -806,7 +810,7 @@
             </a:ln>
             <a:extLst>
               <a:ext uri="{91240B29-F687-4f45-9708-019B960494DF}">
-                <a14:hiddenLine xmlns:a14="http://schemas.microsoft.com/office/drawing/2010/main" xmlns="" w="9525">
+                <a14:hiddenLine xmlns="" xmlns:a14="http://schemas.microsoft.com/office/drawing/2010/main" w="9525">
                   <a:solidFill>
                     <a:srgbClr val="000000"/>
                   </a:solidFill>
@@ -868,7 +872,7 @@
             </a:ln>
             <a:extLst>
               <a:ext uri="{91240B29-F687-4f45-9708-019B960494DF}">
-                <a14:hiddenLine xmlns:a14="http://schemas.microsoft.com/office/drawing/2010/main" xmlns="" w="9525">
+                <a14:hiddenLine xmlns="" xmlns:a14="http://schemas.microsoft.com/office/drawing/2010/main" w="9525">
                   <a:solidFill>
                     <a:srgbClr val="000000"/>
                   </a:solidFill>
@@ -958,7 +962,7 @@
             </a:ln>
             <a:extLst>
               <a:ext uri="{91240B29-F687-4f45-9708-019B960494DF}">
-                <a14:hiddenLine xmlns:a14="http://schemas.microsoft.com/office/drawing/2010/main" xmlns="" w="9525">
+                <a14:hiddenLine xmlns="" xmlns:a14="http://schemas.microsoft.com/office/drawing/2010/main" w="9525">
                   <a:solidFill>
                     <a:srgbClr val="000000"/>
                   </a:solidFill>
@@ -1048,7 +1052,7 @@
             </a:ln>
             <a:extLst>
               <a:ext uri="{91240B29-F687-4f45-9708-019B960494DF}">
-                <a14:hiddenLine xmlns:a14="http://schemas.microsoft.com/office/drawing/2010/main" xmlns="" w="9525">
+                <a14:hiddenLine xmlns="" xmlns:a14="http://schemas.microsoft.com/office/drawing/2010/main" w="9525">
                   <a:solidFill>
                     <a:srgbClr val="000000"/>
                   </a:solidFill>
@@ -1110,7 +1114,7 @@
             </a:ln>
             <a:extLst>
               <a:ext uri="{91240B29-F687-4f45-9708-019B960494DF}">
-                <a14:hiddenLine xmlns:a14="http://schemas.microsoft.com/office/drawing/2010/main" xmlns="" w="9525">
+                <a14:hiddenLine xmlns="" xmlns:a14="http://schemas.microsoft.com/office/drawing/2010/main" w="9525">
                   <a:solidFill>
                     <a:srgbClr val="000000"/>
                   </a:solidFill>
@@ -1220,7 +1224,7 @@
             </a:ln>
             <a:extLst>
               <a:ext uri="{91240B29-F687-4f45-9708-019B960494DF}">
-                <a14:hiddenLine xmlns:a14="http://schemas.microsoft.com/office/drawing/2010/main" xmlns="" w="9525">
+                <a14:hiddenLine xmlns="" xmlns:a14="http://schemas.microsoft.com/office/drawing/2010/main" w="9525">
                   <a:solidFill>
                     <a:srgbClr val="000000"/>
                   </a:solidFill>
@@ -1282,7 +1286,7 @@
             </a:ln>
             <a:extLst>
               <a:ext uri="{91240B29-F687-4f45-9708-019B960494DF}">
-                <a14:hiddenLine xmlns:a14="http://schemas.microsoft.com/office/drawing/2010/main" xmlns="" w="9525">
+                <a14:hiddenLine xmlns="" xmlns:a14="http://schemas.microsoft.com/office/drawing/2010/main" w="9525">
                   <a:solidFill>
                     <a:srgbClr val="000000"/>
                   </a:solidFill>
@@ -1372,7 +1376,7 @@
             </a:ln>
             <a:extLst>
               <a:ext uri="{91240B29-F687-4f45-9708-019B960494DF}">
-                <a14:hiddenLine xmlns:a14="http://schemas.microsoft.com/office/drawing/2010/main" xmlns="" w="9525">
+                <a14:hiddenLine xmlns="" xmlns:a14="http://schemas.microsoft.com/office/drawing/2010/main" w="9525">
                   <a:solidFill>
                     <a:srgbClr val="000000"/>
                   </a:solidFill>
@@ -1462,7 +1466,7 @@
             </a:ln>
             <a:extLst>
               <a:ext uri="{91240B29-F687-4f45-9708-019B960494DF}">
-                <a14:hiddenLine xmlns:a14="http://schemas.microsoft.com/office/drawing/2010/main" xmlns="" w="9525">
+                <a14:hiddenLine xmlns="" xmlns:a14="http://schemas.microsoft.com/office/drawing/2010/main" w="9525">
                   <a:solidFill>
                     <a:srgbClr val="000000"/>
                   </a:solidFill>
@@ -1524,7 +1528,7 @@
             </a:ln>
             <a:extLst>
               <a:ext uri="{91240B29-F687-4f45-9708-019B960494DF}">
-                <a14:hiddenLine xmlns:a14="http://schemas.microsoft.com/office/drawing/2010/main" xmlns="" w="9525">
+                <a14:hiddenLine xmlns="" xmlns:a14="http://schemas.microsoft.com/office/drawing/2010/main" w="9525">
                   <a:solidFill>
                     <a:srgbClr val="000000"/>
                   </a:solidFill>
@@ -1614,7 +1618,7 @@
             </a:ln>
             <a:extLst>
               <a:ext uri="{91240B29-F687-4f45-9708-019B960494DF}">
-                <a14:hiddenLine xmlns:a14="http://schemas.microsoft.com/office/drawing/2010/main" xmlns="" w="9525">
+                <a14:hiddenLine xmlns="" xmlns:a14="http://schemas.microsoft.com/office/drawing/2010/main" w="9525">
                   <a:solidFill>
                     <a:srgbClr val="000000"/>
                   </a:solidFill>
@@ -1704,7 +1708,7 @@
             </a:ln>
             <a:extLst>
               <a:ext uri="{91240B29-F687-4f45-9708-019B960494DF}">
-                <a14:hiddenLine xmlns:a14="http://schemas.microsoft.com/office/drawing/2010/main" xmlns="" w="9525">
+                <a14:hiddenLine xmlns="" xmlns:a14="http://schemas.microsoft.com/office/drawing/2010/main" w="9525">
                   <a:solidFill>
                     <a:srgbClr val="000000"/>
                   </a:solidFill>
@@ -1760,7 +1764,7 @@
             </a:ln>
             <a:extLst>
               <a:ext uri="{91240B29-F687-4f45-9708-019B960494DF}">
-                <a14:hiddenLine xmlns:a14="http://schemas.microsoft.com/office/drawing/2010/main" xmlns="" w="9525">
+                <a14:hiddenLine xmlns="" xmlns:a14="http://schemas.microsoft.com/office/drawing/2010/main" w="9525">
                   <a:solidFill>
                     <a:srgbClr val="000000"/>
                   </a:solidFill>
@@ -1850,7 +1854,7 @@
             </a:ln>
             <a:extLst>
               <a:ext uri="{91240B29-F687-4f45-9708-019B960494DF}">
-                <a14:hiddenLine xmlns:a14="http://schemas.microsoft.com/office/drawing/2010/main" xmlns="" w="9525">
+                <a14:hiddenLine xmlns="" xmlns:a14="http://schemas.microsoft.com/office/drawing/2010/main" w="9525">
                   <a:solidFill>
                     <a:srgbClr val="000000"/>
                   </a:solidFill>
@@ -1906,7 +1910,7 @@
             </a:ln>
             <a:extLst>
               <a:ext uri="{91240B29-F687-4f45-9708-019B960494DF}">
-                <a14:hiddenLine xmlns:a14="http://schemas.microsoft.com/office/drawing/2010/main" xmlns="" w="9525">
+                <a14:hiddenLine xmlns="" xmlns:a14="http://schemas.microsoft.com/office/drawing/2010/main" w="9525">
                   <a:solidFill>
                     <a:srgbClr val="000000"/>
                   </a:solidFill>
@@ -1996,7 +2000,7 @@
             </a:ln>
             <a:extLst>
               <a:ext uri="{91240B29-F687-4f45-9708-019B960494DF}">
-                <a14:hiddenLine xmlns:a14="http://schemas.microsoft.com/office/drawing/2010/main" xmlns="" w="9525">
+                <a14:hiddenLine xmlns="" xmlns:a14="http://schemas.microsoft.com/office/drawing/2010/main" w="9525">
                   <a:solidFill>
                     <a:srgbClr val="000000"/>
                   </a:solidFill>
@@ -2064,7 +2068,7 @@
             </a:ln>
             <a:extLst>
               <a:ext uri="{91240B29-F687-4f45-9708-019B960494DF}">
-                <a14:hiddenLine xmlns:a14="http://schemas.microsoft.com/office/drawing/2010/main" xmlns="" w="9525">
+                <a14:hiddenLine xmlns="" xmlns:a14="http://schemas.microsoft.com/office/drawing/2010/main" w="9525">
                   <a:solidFill>
                     <a:srgbClr val="000000"/>
                   </a:solidFill>
@@ -2154,7 +2158,7 @@
             </a:ln>
             <a:extLst>
               <a:ext uri="{91240B29-F687-4f45-9708-019B960494DF}">
-                <a14:hiddenLine xmlns:a14="http://schemas.microsoft.com/office/drawing/2010/main" xmlns="" w="9525">
+                <a14:hiddenLine xmlns="" xmlns:a14="http://schemas.microsoft.com/office/drawing/2010/main" w="9525">
                   <a:solidFill>
                     <a:srgbClr val="000000"/>
                   </a:solidFill>
@@ -2222,7 +2226,7 @@
             </a:ln>
             <a:extLst>
               <a:ext uri="{91240B29-F687-4f45-9708-019B960494DF}">
-                <a14:hiddenLine xmlns:a14="http://schemas.microsoft.com/office/drawing/2010/main" xmlns="" w="9525">
+                <a14:hiddenLine xmlns="" xmlns:a14="http://schemas.microsoft.com/office/drawing/2010/main" w="9525">
                   <a:solidFill>
                     <a:srgbClr val="000000"/>
                   </a:solidFill>
@@ -2312,7 +2316,7 @@
             </a:ln>
             <a:extLst>
               <a:ext uri="{91240B29-F687-4f45-9708-019B960494DF}">
-                <a14:hiddenLine xmlns:a14="http://schemas.microsoft.com/office/drawing/2010/main" xmlns="" w="9525">
+                <a14:hiddenLine xmlns="" xmlns:a14="http://schemas.microsoft.com/office/drawing/2010/main" w="9525">
                   <a:solidFill>
                     <a:srgbClr val="000000"/>
                   </a:solidFill>
@@ -2346,7 +2350,7 @@
             </a:ln>
             <a:extLst>
               <a:ext uri="{91240B29-F687-4f45-9708-019B960494DF}">
-                <a14:hiddenLine xmlns:a14="http://schemas.microsoft.com/office/drawing/2010/main" xmlns="" w="9525">
+                <a14:hiddenLine xmlns="" xmlns:a14="http://schemas.microsoft.com/office/drawing/2010/main" w="9525">
                   <a:solidFill>
                     <a:srgbClr val="000000"/>
                   </a:solidFill>
@@ -2436,7 +2440,7 @@
             </a:ln>
             <a:extLst>
               <a:ext uri="{91240B29-F687-4f45-9708-019B960494DF}">
-                <a14:hiddenLine xmlns:a14="http://schemas.microsoft.com/office/drawing/2010/main" xmlns="" w="9525">
+                <a14:hiddenLine xmlns="" xmlns:a14="http://schemas.microsoft.com/office/drawing/2010/main" w="9525">
                   <a:solidFill>
                     <a:srgbClr val="000000"/>
                   </a:solidFill>
@@ -2498,7 +2502,7 @@
             </a:ln>
             <a:extLst>
               <a:ext uri="{91240B29-F687-4f45-9708-019B960494DF}">
-                <a14:hiddenLine xmlns:a14="http://schemas.microsoft.com/office/drawing/2010/main" xmlns="" w="9525">
+                <a14:hiddenLine xmlns="" xmlns:a14="http://schemas.microsoft.com/office/drawing/2010/main" w="9525">
                   <a:solidFill>
                     <a:srgbClr val="000000"/>
                   </a:solidFill>
@@ -2560,7 +2564,7 @@
             </a:ln>
             <a:extLst>
               <a:ext uri="{91240B29-F687-4f45-9708-019B960494DF}">
-                <a14:hiddenLine xmlns:a14="http://schemas.microsoft.com/office/drawing/2010/main" xmlns="" w="9525">
+                <a14:hiddenLine xmlns="" xmlns:a14="http://schemas.microsoft.com/office/drawing/2010/main" w="9525">
                   <a:solidFill>
                     <a:srgbClr val="000000"/>
                   </a:solidFill>
@@ -2650,7 +2654,7 @@
             </a:ln>
             <a:extLst>
               <a:ext uri="{91240B29-F687-4f45-9708-019B960494DF}">
-                <a14:hiddenLine xmlns:a14="http://schemas.microsoft.com/office/drawing/2010/main" xmlns="" w="9525">
+                <a14:hiddenLine xmlns="" xmlns:a14="http://schemas.microsoft.com/office/drawing/2010/main" w="9525">
                   <a:solidFill>
                     <a:srgbClr val="000000"/>
                   </a:solidFill>
@@ -2718,7 +2722,7 @@
             </a:ln>
             <a:extLst>
               <a:ext uri="{91240B29-F687-4f45-9708-019B960494DF}">
-                <a14:hiddenLine xmlns:a14="http://schemas.microsoft.com/office/drawing/2010/main" xmlns="" w="9525">
+                <a14:hiddenLine xmlns="" xmlns:a14="http://schemas.microsoft.com/office/drawing/2010/main" w="9525">
                   <a:solidFill>
                     <a:srgbClr val="000000"/>
                   </a:solidFill>
@@ -2780,7 +2784,7 @@
             </a:ln>
             <a:extLst>
               <a:ext uri="{91240B29-F687-4f45-9708-019B960494DF}">
-                <a14:hiddenLine xmlns:a14="http://schemas.microsoft.com/office/drawing/2010/main" xmlns="" w="9525">
+                <a14:hiddenLine xmlns="" xmlns:a14="http://schemas.microsoft.com/office/drawing/2010/main" w="9525">
                   <a:solidFill>
                     <a:srgbClr val="000000"/>
                   </a:solidFill>
@@ -2870,7 +2874,7 @@
             </a:ln>
             <a:extLst>
               <a:ext uri="{91240B29-F687-4f45-9708-019B960494DF}">
-                <a14:hiddenLine xmlns:a14="http://schemas.microsoft.com/office/drawing/2010/main" xmlns="" w="9525">
+                <a14:hiddenLine xmlns="" xmlns:a14="http://schemas.microsoft.com/office/drawing/2010/main" w="9525">
                   <a:solidFill>
                     <a:srgbClr val="000000"/>
                   </a:solidFill>
@@ -2932,7 +2936,7 @@
             </a:ln>
             <a:extLst>
               <a:ext uri="{91240B29-F687-4f45-9708-019B960494DF}">
-                <a14:hiddenLine xmlns:a14="http://schemas.microsoft.com/office/drawing/2010/main" xmlns="" w="9525">
+                <a14:hiddenLine xmlns="" xmlns:a14="http://schemas.microsoft.com/office/drawing/2010/main" w="9525">
                   <a:solidFill>
                     <a:srgbClr val="000000"/>
                   </a:solidFill>
@@ -3022,7 +3026,7 @@
             </a:ln>
             <a:extLst>
               <a:ext uri="{91240B29-F687-4f45-9708-019B960494DF}">
-                <a14:hiddenLine xmlns:a14="http://schemas.microsoft.com/office/drawing/2010/main" xmlns="" w="9525">
+                <a14:hiddenLine xmlns="" xmlns:a14="http://schemas.microsoft.com/office/drawing/2010/main" w="9525">
                   <a:solidFill>
                     <a:srgbClr val="000000"/>
                   </a:solidFill>
@@ -3084,7 +3088,7 @@
             </a:ln>
             <a:extLst>
               <a:ext uri="{91240B29-F687-4f45-9708-019B960494DF}">
-                <a14:hiddenLine xmlns:a14="http://schemas.microsoft.com/office/drawing/2010/main" xmlns="" w="9525">
+                <a14:hiddenLine xmlns="" xmlns:a14="http://schemas.microsoft.com/office/drawing/2010/main" w="9525">
                   <a:solidFill>
                     <a:srgbClr val="000000"/>
                   </a:solidFill>
@@ -3174,7 +3178,7 @@
             </a:ln>
             <a:extLst>
               <a:ext uri="{91240B29-F687-4f45-9708-019B960494DF}">
-                <a14:hiddenLine xmlns:a14="http://schemas.microsoft.com/office/drawing/2010/main" xmlns="" w="9525">
+                <a14:hiddenLine xmlns="" xmlns:a14="http://schemas.microsoft.com/office/drawing/2010/main" w="9525">
                   <a:solidFill>
                     <a:srgbClr val="000000"/>
                   </a:solidFill>
@@ -3208,7 +3212,7 @@
             </a:ln>
             <a:extLst>
               <a:ext uri="{91240B29-F687-4f45-9708-019B960494DF}">
-                <a14:hiddenLine xmlns:a14="http://schemas.microsoft.com/office/drawing/2010/main" xmlns="" w="9525">
+                <a14:hiddenLine xmlns="" xmlns:a14="http://schemas.microsoft.com/office/drawing/2010/main" w="9525">
                   <a:solidFill>
                     <a:srgbClr val="000000"/>
                   </a:solidFill>
@@ -3273,7 +3277,7 @@
             </a:ln>
             <a:extLst>
               <a:ext uri="{91240B29-F687-4f45-9708-019B960494DF}">
-                <a14:hiddenLine xmlns:a14="http://schemas.microsoft.com/office/drawing/2010/main" xmlns="" w="9525">
+                <a14:hiddenLine xmlns="" xmlns:a14="http://schemas.microsoft.com/office/drawing/2010/main" w="9525">
                   <a:solidFill>
                     <a:srgbClr val="000000"/>
                   </a:solidFill>
@@ -3363,7 +3367,7 @@
             </a:ln>
             <a:extLst>
               <a:ext uri="{91240B29-F687-4f45-9708-019B960494DF}">
-                <a14:hiddenLine xmlns:a14="http://schemas.microsoft.com/office/drawing/2010/main" xmlns="" w="9525">
+                <a14:hiddenLine xmlns="" xmlns:a14="http://schemas.microsoft.com/office/drawing/2010/main" w="9525">
                   <a:solidFill>
                     <a:srgbClr val="000000"/>
                   </a:solidFill>
@@ -3425,7 +3429,7 @@
             </a:ln>
             <a:extLst>
               <a:ext uri="{91240B29-F687-4f45-9708-019B960494DF}">
-                <a14:hiddenLine xmlns:a14="http://schemas.microsoft.com/office/drawing/2010/main" xmlns="" w="9525">
+                <a14:hiddenLine xmlns="" xmlns:a14="http://schemas.microsoft.com/office/drawing/2010/main" w="9525">
                   <a:solidFill>
                     <a:srgbClr val="000000"/>
                   </a:solidFill>
@@ -3515,7 +3519,7 @@
             </a:ln>
             <a:extLst>
               <a:ext uri="{91240B29-F687-4f45-9708-019B960494DF}">
-                <a14:hiddenLine xmlns:a14="http://schemas.microsoft.com/office/drawing/2010/main" xmlns="" w="9525">
+                <a14:hiddenLine xmlns="" xmlns:a14="http://schemas.microsoft.com/office/drawing/2010/main" w="9525">
                   <a:solidFill>
                     <a:srgbClr val="000000"/>
                   </a:solidFill>
@@ -3605,7 +3609,7 @@
             </a:ln>
             <a:extLst>
               <a:ext uri="{91240B29-F687-4f45-9708-019B960494DF}">
-                <a14:hiddenLine xmlns:a14="http://schemas.microsoft.com/office/drawing/2010/main" xmlns="" w="9525">
+                <a14:hiddenLine xmlns="" xmlns:a14="http://schemas.microsoft.com/office/drawing/2010/main" w="9525">
                   <a:solidFill>
                     <a:srgbClr val="000000"/>
                   </a:solidFill>
@@ -3670,7 +3674,7 @@
             </a:ln>
             <a:extLst>
               <a:ext uri="{91240B29-F687-4f45-9708-019B960494DF}">
-                <a14:hiddenLine xmlns:a14="http://schemas.microsoft.com/office/drawing/2010/main" xmlns="" w="9525">
+                <a14:hiddenLine xmlns="" xmlns:a14="http://schemas.microsoft.com/office/drawing/2010/main" w="9525">
                   <a:solidFill>
                     <a:srgbClr val="000000"/>
                   </a:solidFill>
@@ -3732,7 +3736,7 @@
             </a:ln>
             <a:extLst>
               <a:ext uri="{91240B29-F687-4f45-9708-019B960494DF}">
-                <a14:hiddenLine xmlns:a14="http://schemas.microsoft.com/office/drawing/2010/main" xmlns="" w="9525">
+                <a14:hiddenLine xmlns="" xmlns:a14="http://schemas.microsoft.com/office/drawing/2010/main" w="9525">
                   <a:solidFill>
                     <a:srgbClr val="000000"/>
                   </a:solidFill>
@@ -3822,7 +3826,7 @@
             </a:ln>
             <a:extLst>
               <a:ext uri="{91240B29-F687-4f45-9708-019B960494DF}">
-                <a14:hiddenLine xmlns:a14="http://schemas.microsoft.com/office/drawing/2010/main" xmlns="" w="9525">
+                <a14:hiddenLine xmlns="" xmlns:a14="http://schemas.microsoft.com/office/drawing/2010/main" w="9525">
                   <a:solidFill>
                     <a:srgbClr val="000000"/>
                   </a:solidFill>
@@ -3912,7 +3916,7 @@
             </a:ln>
             <a:extLst>
               <a:ext uri="{91240B29-F687-4f45-9708-019B960494DF}">
-                <a14:hiddenLine xmlns:a14="http://schemas.microsoft.com/office/drawing/2010/main" xmlns="" w="9525">
+                <a14:hiddenLine xmlns="" xmlns:a14="http://schemas.microsoft.com/office/drawing/2010/main" w="9525">
                   <a:solidFill>
                     <a:srgbClr val="000000"/>
                   </a:solidFill>
@@ -3974,7 +3978,7 @@
             </a:ln>
             <a:extLst>
               <a:ext uri="{91240B29-F687-4f45-9708-019B960494DF}">
-                <a14:hiddenLine xmlns:a14="http://schemas.microsoft.com/office/drawing/2010/main" xmlns="" w="9525">
+                <a14:hiddenLine xmlns="" xmlns:a14="http://schemas.microsoft.com/office/drawing/2010/main" w="9525">
                   <a:solidFill>
                     <a:srgbClr val="000000"/>
                   </a:solidFill>
@@ -4094,7 +4098,7 @@
             </a:ln>
             <a:extLst>
               <a:ext uri="{91240B29-F687-4f45-9708-019B960494DF}">
-                <a14:hiddenLine xmlns:a14="http://schemas.microsoft.com/office/drawing/2010/main" xmlns="" w="9525">
+                <a14:hiddenLine xmlns="" xmlns:a14="http://schemas.microsoft.com/office/drawing/2010/main" w="9525">
                   <a:solidFill>
                     <a:srgbClr val="000000"/>
                   </a:solidFill>
@@ -4162,7 +4166,7 @@
             </a:ln>
             <a:extLst>
               <a:ext uri="{91240B29-F687-4f45-9708-019B960494DF}">
-                <a14:hiddenLine xmlns:a14="http://schemas.microsoft.com/office/drawing/2010/main" xmlns="" w="9525">
+                <a14:hiddenLine xmlns="" xmlns:a14="http://schemas.microsoft.com/office/drawing/2010/main" w="9525">
                   <a:solidFill>
                     <a:srgbClr val="000000"/>
                   </a:solidFill>
@@ -4252,7 +4256,7 @@
             </a:ln>
             <a:extLst>
               <a:ext uri="{91240B29-F687-4f45-9708-019B960494DF}">
-                <a14:hiddenLine xmlns:a14="http://schemas.microsoft.com/office/drawing/2010/main" xmlns="" w="9525">
+                <a14:hiddenLine xmlns="" xmlns:a14="http://schemas.microsoft.com/office/drawing/2010/main" w="9525">
                   <a:solidFill>
                     <a:srgbClr val="000000"/>
                   </a:solidFill>
@@ -4392,7 +4396,7 @@
           <a:p>
             <a:fld id="{D1CE084C-E6E2-4DB2-930F-DEAD16EF99CF}" type="datetimeFigureOut">
               <a:rPr lang="ru-RU" smtClean="0"/>
-              <a:t>16.01.2021</a:t>
+              <a:t>17.01.2021</a:t>
             </a:fld>
             <a:endParaRPr lang="ru-RU"/>
           </a:p>
@@ -4659,7 +4663,7 @@
           <a:p>
             <a:fld id="{D1CE084C-E6E2-4DB2-930F-DEAD16EF99CF}" type="datetimeFigureOut">
               <a:rPr lang="ru-RU" smtClean="0"/>
-              <a:t>16.01.2021</a:t>
+              <a:t>17.01.2021</a:t>
             </a:fld>
             <a:endParaRPr lang="ru-RU"/>
           </a:p>
@@ -4855,7 +4859,7 @@
           <a:p>
             <a:fld id="{D1CE084C-E6E2-4DB2-930F-DEAD16EF99CF}" type="datetimeFigureOut">
               <a:rPr lang="ru-RU" smtClean="0"/>
-              <a:t>16.01.2021</a:t>
+              <a:t>17.01.2021</a:t>
             </a:fld>
             <a:endParaRPr lang="ru-RU"/>
           </a:p>
@@ -5118,7 +5122,7 @@
           <a:p>
             <a:fld id="{D1CE084C-E6E2-4DB2-930F-DEAD16EF99CF}" type="datetimeFigureOut">
               <a:rPr lang="ru-RU" smtClean="0"/>
-              <a:t>16.01.2021</a:t>
+              <a:t>17.01.2021</a:t>
             </a:fld>
             <a:endParaRPr lang="ru-RU"/>
           </a:p>
@@ -5552,7 +5556,7 @@
           <a:p>
             <a:fld id="{D1CE084C-E6E2-4DB2-930F-DEAD16EF99CF}" type="datetimeFigureOut">
               <a:rPr lang="ru-RU" smtClean="0"/>
-              <a:t>16.01.2021</a:t>
+              <a:t>17.01.2021</a:t>
             </a:fld>
             <a:endParaRPr lang="ru-RU"/>
           </a:p>
@@ -6098,7 +6102,7 @@
           <a:p>
             <a:fld id="{D1CE084C-E6E2-4DB2-930F-DEAD16EF99CF}" type="datetimeFigureOut">
               <a:rPr lang="ru-RU" smtClean="0"/>
-              <a:t>16.01.2021</a:t>
+              <a:t>17.01.2021</a:t>
             </a:fld>
             <a:endParaRPr lang="ru-RU"/>
           </a:p>
@@ -6818,7 +6822,7 @@
           <a:p>
             <a:fld id="{D1CE084C-E6E2-4DB2-930F-DEAD16EF99CF}" type="datetimeFigureOut">
               <a:rPr lang="ru-RU" smtClean="0"/>
-              <a:t>16.01.2021</a:t>
+              <a:t>17.01.2021</a:t>
             </a:fld>
             <a:endParaRPr lang="ru-RU"/>
           </a:p>
@@ -6988,7 +6992,7 @@
           <a:p>
             <a:fld id="{D1CE084C-E6E2-4DB2-930F-DEAD16EF99CF}" type="datetimeFigureOut">
               <a:rPr lang="ru-RU" smtClean="0"/>
-              <a:t>16.01.2021</a:t>
+              <a:t>17.01.2021</a:t>
             </a:fld>
             <a:endParaRPr lang="ru-RU"/>
           </a:p>
@@ -7168,7 +7172,7 @@
           <a:p>
             <a:fld id="{D1CE084C-E6E2-4DB2-930F-DEAD16EF99CF}" type="datetimeFigureOut">
               <a:rPr lang="ru-RU" smtClean="0"/>
-              <a:t>16.01.2021</a:t>
+              <a:t>17.01.2021</a:t>
             </a:fld>
             <a:endParaRPr lang="ru-RU"/>
           </a:p>
@@ -7338,7 +7342,7 @@
           <a:p>
             <a:fld id="{D1CE084C-E6E2-4DB2-930F-DEAD16EF99CF}" type="datetimeFigureOut">
               <a:rPr lang="ru-RU" smtClean="0"/>
-              <a:t>16.01.2021</a:t>
+              <a:t>17.01.2021</a:t>
             </a:fld>
             <a:endParaRPr lang="ru-RU"/>
           </a:p>
@@ -7588,7 +7592,7 @@
           <a:p>
             <a:fld id="{D1CE084C-E6E2-4DB2-930F-DEAD16EF99CF}" type="datetimeFigureOut">
               <a:rPr lang="ru-RU" smtClean="0"/>
-              <a:t>16.01.2021</a:t>
+              <a:t>17.01.2021</a:t>
             </a:fld>
             <a:endParaRPr lang="ru-RU"/>
           </a:p>
@@ -7820,7 +7824,7 @@
           <a:p>
             <a:fld id="{D1CE084C-E6E2-4DB2-930F-DEAD16EF99CF}" type="datetimeFigureOut">
               <a:rPr lang="ru-RU" smtClean="0"/>
-              <a:t>16.01.2021</a:t>
+              <a:t>17.01.2021</a:t>
             </a:fld>
             <a:endParaRPr lang="ru-RU"/>
           </a:p>
@@ -8201,7 +8205,7 @@
           <a:p>
             <a:fld id="{D1CE084C-E6E2-4DB2-930F-DEAD16EF99CF}" type="datetimeFigureOut">
               <a:rPr lang="ru-RU" smtClean="0"/>
-              <a:t>16.01.2021</a:t>
+              <a:t>17.01.2021</a:t>
             </a:fld>
             <a:endParaRPr lang="ru-RU"/>
           </a:p>
@@ -8319,7 +8323,7 @@
           <a:p>
             <a:fld id="{D1CE084C-E6E2-4DB2-930F-DEAD16EF99CF}" type="datetimeFigureOut">
               <a:rPr lang="ru-RU" smtClean="0"/>
-              <a:t>16.01.2021</a:t>
+              <a:t>17.01.2021</a:t>
             </a:fld>
             <a:endParaRPr lang="ru-RU"/>
           </a:p>
@@ -8414,7 +8418,7 @@
           <a:p>
             <a:fld id="{D1CE084C-E6E2-4DB2-930F-DEAD16EF99CF}" type="datetimeFigureOut">
               <a:rPr lang="ru-RU" smtClean="0"/>
-              <a:t>16.01.2021</a:t>
+              <a:t>17.01.2021</a:t>
             </a:fld>
             <a:endParaRPr lang="ru-RU"/>
           </a:p>
@@ -8663,7 +8667,7 @@
           <a:p>
             <a:fld id="{D1CE084C-E6E2-4DB2-930F-DEAD16EF99CF}" type="datetimeFigureOut">
               <a:rPr lang="ru-RU" smtClean="0"/>
-              <a:t>16.01.2021</a:t>
+              <a:t>17.01.2021</a:t>
             </a:fld>
             <a:endParaRPr lang="ru-RU"/>
           </a:p>
@@ -8943,7 +8947,7 @@
           <a:p>
             <a:fld id="{D1CE084C-E6E2-4DB2-930F-DEAD16EF99CF}" type="datetimeFigureOut">
               <a:rPr lang="ru-RU" smtClean="0"/>
-              <a:t>16.01.2021</a:t>
+              <a:t>17.01.2021</a:t>
             </a:fld>
             <a:endParaRPr lang="ru-RU"/>
           </a:p>
@@ -9059,7 +9063,7 @@
           <a:noFill/>
           <a:extLst>
             <a:ext uri="{909E8E84-426E-40dd-AFC4-6F175D3DCCD1}">
-              <a14:hiddenFill xmlns:a14="http://schemas.microsoft.com/office/drawing/2010/main" xmlns="">
+              <a14:hiddenFill xmlns="" xmlns:a14="http://schemas.microsoft.com/office/drawing/2010/main">
                 <a:solidFill>
                   <a:srgbClr val="FFFFFF"/>
                 </a:solidFill>
@@ -9133,7 +9137,7 @@
               </a:ln>
               <a:extLst>
                 <a:ext uri="{91240B29-F687-4f45-9708-019B960494DF}">
-                  <a14:hiddenLine xmlns:a14="http://schemas.microsoft.com/office/drawing/2010/main" xmlns="" w="9525">
+                  <a14:hiddenLine xmlns="" xmlns:a14="http://schemas.microsoft.com/office/drawing/2010/main" w="9525">
                     <a:solidFill>
                       <a:srgbClr val="000000"/>
                     </a:solidFill>
@@ -9223,7 +9227,7 @@
               </a:ln>
               <a:extLst>
                 <a:ext uri="{91240B29-F687-4f45-9708-019B960494DF}">
-                  <a14:hiddenLine xmlns:a14="http://schemas.microsoft.com/office/drawing/2010/main" xmlns="" w="9525">
+                  <a14:hiddenLine xmlns="" xmlns:a14="http://schemas.microsoft.com/office/drawing/2010/main" w="9525">
                     <a:solidFill>
                       <a:srgbClr val="000000"/>
                     </a:solidFill>
@@ -9313,7 +9317,7 @@
               </a:ln>
               <a:extLst>
                 <a:ext uri="{91240B29-F687-4f45-9708-019B960494DF}">
-                  <a14:hiddenLine xmlns:a14="http://schemas.microsoft.com/office/drawing/2010/main" xmlns="" w="9525">
+                  <a14:hiddenLine xmlns="" xmlns:a14="http://schemas.microsoft.com/office/drawing/2010/main" w="9525">
                     <a:solidFill>
                       <a:srgbClr val="000000"/>
                     </a:solidFill>
@@ -9375,7 +9379,7 @@
               </a:ln>
               <a:extLst>
                 <a:ext uri="{91240B29-F687-4f45-9708-019B960494DF}">
-                  <a14:hiddenLine xmlns:a14="http://schemas.microsoft.com/office/drawing/2010/main" xmlns="" w="9525">
+                  <a14:hiddenLine xmlns="" xmlns:a14="http://schemas.microsoft.com/office/drawing/2010/main" w="9525">
                     <a:solidFill>
                       <a:srgbClr val="000000"/>
                     </a:solidFill>
@@ -9465,7 +9469,7 @@
               </a:ln>
               <a:extLst>
                 <a:ext uri="{91240B29-F687-4f45-9708-019B960494DF}">
-                  <a14:hiddenLine xmlns:a14="http://schemas.microsoft.com/office/drawing/2010/main" xmlns="" w="9525">
+                  <a14:hiddenLine xmlns="" xmlns:a14="http://schemas.microsoft.com/office/drawing/2010/main" w="9525">
                     <a:solidFill>
                       <a:srgbClr val="000000"/>
                     </a:solidFill>
@@ -9527,7 +9531,7 @@
               </a:ln>
               <a:extLst>
                 <a:ext uri="{91240B29-F687-4f45-9708-019B960494DF}">
-                  <a14:hiddenLine xmlns:a14="http://schemas.microsoft.com/office/drawing/2010/main" xmlns="" w="9525">
+                  <a14:hiddenLine xmlns="" xmlns:a14="http://schemas.microsoft.com/office/drawing/2010/main" w="9525">
                     <a:solidFill>
                       <a:srgbClr val="000000"/>
                     </a:solidFill>
@@ -9589,7 +9593,7 @@
               </a:ln>
               <a:extLst>
                 <a:ext uri="{91240B29-F687-4f45-9708-019B960494DF}">
-                  <a14:hiddenLine xmlns:a14="http://schemas.microsoft.com/office/drawing/2010/main" xmlns="" w="9525">
+                  <a14:hiddenLine xmlns="" xmlns:a14="http://schemas.microsoft.com/office/drawing/2010/main" w="9525">
                     <a:solidFill>
                       <a:srgbClr val="000000"/>
                     </a:solidFill>
@@ -9679,7 +9683,7 @@
               </a:ln>
               <a:extLst>
                 <a:ext uri="{91240B29-F687-4f45-9708-019B960494DF}">
-                  <a14:hiddenLine xmlns:a14="http://schemas.microsoft.com/office/drawing/2010/main" xmlns="" w="9525">
+                  <a14:hiddenLine xmlns="" xmlns:a14="http://schemas.microsoft.com/office/drawing/2010/main" w="9525">
                     <a:solidFill>
                       <a:srgbClr val="000000"/>
                     </a:solidFill>
@@ -9769,7 +9773,7 @@
               </a:ln>
               <a:extLst>
                 <a:ext uri="{91240B29-F687-4f45-9708-019B960494DF}">
-                  <a14:hiddenLine xmlns:a14="http://schemas.microsoft.com/office/drawing/2010/main" xmlns="" w="9525">
+                  <a14:hiddenLine xmlns="" xmlns:a14="http://schemas.microsoft.com/office/drawing/2010/main" w="9525">
                     <a:solidFill>
                       <a:srgbClr val="000000"/>
                     </a:solidFill>
@@ -9831,7 +9835,7 @@
               </a:ln>
               <a:extLst>
                 <a:ext uri="{91240B29-F687-4f45-9708-019B960494DF}">
-                  <a14:hiddenLine xmlns:a14="http://schemas.microsoft.com/office/drawing/2010/main" xmlns="" w="9525">
+                  <a14:hiddenLine xmlns="" xmlns:a14="http://schemas.microsoft.com/office/drawing/2010/main" w="9525">
                     <a:solidFill>
                       <a:srgbClr val="000000"/>
                     </a:solidFill>
@@ -9941,7 +9945,7 @@
               </a:ln>
               <a:extLst>
                 <a:ext uri="{91240B29-F687-4f45-9708-019B960494DF}">
-                  <a14:hiddenLine xmlns:a14="http://schemas.microsoft.com/office/drawing/2010/main" xmlns="" w="9525">
+                  <a14:hiddenLine xmlns="" xmlns:a14="http://schemas.microsoft.com/office/drawing/2010/main" w="9525">
                     <a:solidFill>
                       <a:srgbClr val="000000"/>
                     </a:solidFill>
@@ -10025,7 +10029,7 @@
               </a:ln>
               <a:extLst>
                 <a:ext uri="{91240B29-F687-4f45-9708-019B960494DF}">
-                  <a14:hiddenLine xmlns:a14="http://schemas.microsoft.com/office/drawing/2010/main" xmlns="" w="9525">
+                  <a14:hiddenLine xmlns="" xmlns:a14="http://schemas.microsoft.com/office/drawing/2010/main" w="9525">
                     <a:solidFill>
                       <a:srgbClr val="000000"/>
                     </a:solidFill>
@@ -10087,7 +10091,7 @@
               </a:ln>
               <a:extLst>
                 <a:ext uri="{91240B29-F687-4f45-9708-019B960494DF}">
-                  <a14:hiddenLine xmlns:a14="http://schemas.microsoft.com/office/drawing/2010/main" xmlns="" w="9525">
+                  <a14:hiddenLine xmlns="" xmlns:a14="http://schemas.microsoft.com/office/drawing/2010/main" w="9525">
                     <a:solidFill>
                       <a:srgbClr val="000000"/>
                     </a:solidFill>
@@ -10149,7 +10153,7 @@
               </a:ln>
               <a:extLst>
                 <a:ext uri="{91240B29-F687-4f45-9708-019B960494DF}">
-                  <a14:hiddenLine xmlns:a14="http://schemas.microsoft.com/office/drawing/2010/main" xmlns="" w="9525">
+                  <a14:hiddenLine xmlns="" xmlns:a14="http://schemas.microsoft.com/office/drawing/2010/main" w="9525">
                     <a:solidFill>
                       <a:srgbClr val="000000"/>
                     </a:solidFill>
@@ -10239,7 +10243,7 @@
               </a:ln>
               <a:extLst>
                 <a:ext uri="{91240B29-F687-4f45-9708-019B960494DF}">
-                  <a14:hiddenLine xmlns:a14="http://schemas.microsoft.com/office/drawing/2010/main" xmlns="" w="9525">
+                  <a14:hiddenLine xmlns="" xmlns:a14="http://schemas.microsoft.com/office/drawing/2010/main" w="9525">
                     <a:solidFill>
                       <a:srgbClr val="000000"/>
                     </a:solidFill>
@@ -10273,7 +10277,7 @@
               </a:ln>
               <a:extLst>
                 <a:ext uri="{91240B29-F687-4f45-9708-019B960494DF}">
-                  <a14:hiddenLine xmlns:a14="http://schemas.microsoft.com/office/drawing/2010/main" xmlns="" w="9525">
+                  <a14:hiddenLine xmlns="" xmlns:a14="http://schemas.microsoft.com/office/drawing/2010/main" w="9525">
                     <a:solidFill>
                       <a:srgbClr val="000000"/>
                     </a:solidFill>
@@ -10338,7 +10342,7 @@
               </a:ln>
               <a:extLst>
                 <a:ext uri="{91240B29-F687-4f45-9708-019B960494DF}">
-                  <a14:hiddenLine xmlns:a14="http://schemas.microsoft.com/office/drawing/2010/main" xmlns="" w="9525">
+                  <a14:hiddenLine xmlns="" xmlns:a14="http://schemas.microsoft.com/office/drawing/2010/main" w="9525">
                     <a:solidFill>
                       <a:srgbClr val="000000"/>
                     </a:solidFill>
@@ -10428,7 +10432,7 @@
               </a:ln>
               <a:extLst>
                 <a:ext uri="{91240B29-F687-4f45-9708-019B960494DF}">
-                  <a14:hiddenLine xmlns:a14="http://schemas.microsoft.com/office/drawing/2010/main" xmlns="" w="9525">
+                  <a14:hiddenLine xmlns="" xmlns:a14="http://schemas.microsoft.com/office/drawing/2010/main" w="9525">
                     <a:solidFill>
                       <a:srgbClr val="000000"/>
                     </a:solidFill>
@@ -10490,7 +10494,7 @@
               </a:ln>
               <a:extLst>
                 <a:ext uri="{91240B29-F687-4f45-9708-019B960494DF}">
-                  <a14:hiddenLine xmlns:a14="http://schemas.microsoft.com/office/drawing/2010/main" xmlns="" w="9525">
+                  <a14:hiddenLine xmlns="" xmlns:a14="http://schemas.microsoft.com/office/drawing/2010/main" w="9525">
                     <a:solidFill>
                       <a:srgbClr val="000000"/>
                     </a:solidFill>
@@ -10580,7 +10584,7 @@
               </a:ln>
               <a:extLst>
                 <a:ext uri="{91240B29-F687-4f45-9708-019B960494DF}">
-                  <a14:hiddenLine xmlns:a14="http://schemas.microsoft.com/office/drawing/2010/main" xmlns="" w="9525">
+                  <a14:hiddenLine xmlns="" xmlns:a14="http://schemas.microsoft.com/office/drawing/2010/main" w="9525">
                     <a:solidFill>
                       <a:srgbClr val="000000"/>
                     </a:solidFill>
@@ -10645,7 +10649,7 @@
               </a:ln>
               <a:extLst>
                 <a:ext uri="{91240B29-F687-4f45-9708-019B960494DF}">
-                  <a14:hiddenLine xmlns:a14="http://schemas.microsoft.com/office/drawing/2010/main" xmlns="" w="9525">
+                  <a14:hiddenLine xmlns="" xmlns:a14="http://schemas.microsoft.com/office/drawing/2010/main" w="9525">
                     <a:solidFill>
                       <a:srgbClr val="000000"/>
                     </a:solidFill>
@@ -10707,7 +10711,7 @@
               </a:ln>
               <a:extLst>
                 <a:ext uri="{91240B29-F687-4f45-9708-019B960494DF}">
-                  <a14:hiddenLine xmlns:a14="http://schemas.microsoft.com/office/drawing/2010/main" xmlns="" w="9525">
+                  <a14:hiddenLine xmlns="" xmlns:a14="http://schemas.microsoft.com/office/drawing/2010/main" w="9525">
                     <a:solidFill>
                       <a:srgbClr val="000000"/>
                     </a:solidFill>
@@ -10797,7 +10801,7 @@
               </a:ln>
               <a:extLst>
                 <a:ext uri="{91240B29-F687-4f45-9708-019B960494DF}">
-                  <a14:hiddenLine xmlns:a14="http://schemas.microsoft.com/office/drawing/2010/main" xmlns="" w="9525">
+                  <a14:hiddenLine xmlns="" xmlns:a14="http://schemas.microsoft.com/office/drawing/2010/main" w="9525">
                     <a:solidFill>
                       <a:srgbClr val="000000"/>
                     </a:solidFill>
@@ -10887,7 +10891,7 @@
               </a:ln>
               <a:extLst>
                 <a:ext uri="{91240B29-F687-4f45-9708-019B960494DF}">
-                  <a14:hiddenLine xmlns:a14="http://schemas.microsoft.com/office/drawing/2010/main" xmlns="" w="9525">
+                  <a14:hiddenLine xmlns="" xmlns:a14="http://schemas.microsoft.com/office/drawing/2010/main" w="9525">
                     <a:solidFill>
                       <a:srgbClr val="000000"/>
                     </a:solidFill>
@@ -10952,7 +10956,7 @@
               </a:ln>
               <a:extLst>
                 <a:ext uri="{91240B29-F687-4f45-9708-019B960494DF}">
-                  <a14:hiddenLine xmlns:a14="http://schemas.microsoft.com/office/drawing/2010/main" xmlns="" w="9525">
+                  <a14:hiddenLine xmlns="" xmlns:a14="http://schemas.microsoft.com/office/drawing/2010/main" w="9525">
                     <a:solidFill>
                       <a:srgbClr val="000000"/>
                     </a:solidFill>
@@ -11072,7 +11076,7 @@
               </a:ln>
               <a:extLst>
                 <a:ext uri="{91240B29-F687-4f45-9708-019B960494DF}">
-                  <a14:hiddenLine xmlns:a14="http://schemas.microsoft.com/office/drawing/2010/main" xmlns="" w="9525">
+                  <a14:hiddenLine xmlns="" xmlns:a14="http://schemas.microsoft.com/office/drawing/2010/main" w="9525">
                     <a:solidFill>
                       <a:srgbClr val="000000"/>
                     </a:solidFill>
@@ -11170,7 +11174,7 @@
               </a:ln>
               <a:extLst>
                 <a:ext uri="{91240B29-F687-4f45-9708-019B960494DF}">
-                  <a14:hiddenLine xmlns:a14="http://schemas.microsoft.com/office/drawing/2010/main" xmlns="" w="9525">
+                  <a14:hiddenLine xmlns="" xmlns:a14="http://schemas.microsoft.com/office/drawing/2010/main" w="9525">
                     <a:solidFill>
                       <a:srgbClr val="000000"/>
                     </a:solidFill>
@@ -11285,7 +11289,7 @@
               </a:ln>
               <a:extLst>
                 <a:ext uri="{91240B29-F687-4f45-9708-019B960494DF}">
-                  <a14:hiddenLine xmlns:a14="http://schemas.microsoft.com/office/drawing/2010/main" xmlns="" w="9525">
+                  <a14:hiddenLine xmlns="" xmlns:a14="http://schemas.microsoft.com/office/drawing/2010/main" w="9525">
                     <a:solidFill>
                       <a:srgbClr val="000000"/>
                     </a:solidFill>
@@ -11375,7 +11379,7 @@
               </a:ln>
               <a:extLst>
                 <a:ext uri="{91240B29-F687-4f45-9708-019B960494DF}">
-                  <a14:hiddenLine xmlns:a14="http://schemas.microsoft.com/office/drawing/2010/main" xmlns="" w="9525">
+                  <a14:hiddenLine xmlns="" xmlns:a14="http://schemas.microsoft.com/office/drawing/2010/main" w="9525">
                     <a:solidFill>
                       <a:srgbClr val="000000"/>
                     </a:solidFill>
@@ -11440,7 +11444,7 @@
               </a:ln>
               <a:extLst>
                 <a:ext uri="{91240B29-F687-4f45-9708-019B960494DF}">
-                  <a14:hiddenLine xmlns:a14="http://schemas.microsoft.com/office/drawing/2010/main" xmlns="" w="9525">
+                  <a14:hiddenLine xmlns="" xmlns:a14="http://schemas.microsoft.com/office/drawing/2010/main" w="9525">
                     <a:solidFill>
                       <a:srgbClr val="000000"/>
                     </a:solidFill>
@@ -11530,7 +11534,7 @@
               </a:ln>
               <a:extLst>
                 <a:ext uri="{91240B29-F687-4f45-9708-019B960494DF}">
-                  <a14:hiddenLine xmlns:a14="http://schemas.microsoft.com/office/drawing/2010/main" xmlns="" w="9525">
+                  <a14:hiddenLine xmlns="" xmlns:a14="http://schemas.microsoft.com/office/drawing/2010/main" w="9525">
                     <a:solidFill>
                       <a:srgbClr val="000000"/>
                     </a:solidFill>
@@ -11598,7 +11602,7 @@
               </a:ln>
               <a:extLst>
                 <a:ext uri="{91240B29-F687-4f45-9708-019B960494DF}">
-                  <a14:hiddenLine xmlns:a14="http://schemas.microsoft.com/office/drawing/2010/main" xmlns="" w="9525">
+                  <a14:hiddenLine xmlns="" xmlns:a14="http://schemas.microsoft.com/office/drawing/2010/main" w="9525">
                     <a:solidFill>
                       <a:srgbClr val="000000"/>
                     </a:solidFill>
@@ -11688,7 +11692,7 @@
               </a:ln>
               <a:extLst>
                 <a:ext uri="{91240B29-F687-4f45-9708-019B960494DF}">
-                  <a14:hiddenLine xmlns:a14="http://schemas.microsoft.com/office/drawing/2010/main" xmlns="" w="9525">
+                  <a14:hiddenLine xmlns="" xmlns:a14="http://schemas.microsoft.com/office/drawing/2010/main" w="9525">
                     <a:solidFill>
                       <a:srgbClr val="000000"/>
                     </a:solidFill>
@@ -11756,7 +11760,7 @@
               </a:ln>
               <a:extLst>
                 <a:ext uri="{91240B29-F687-4f45-9708-019B960494DF}">
-                  <a14:hiddenLine xmlns:a14="http://schemas.microsoft.com/office/drawing/2010/main" xmlns="" w="9525">
+                  <a14:hiddenLine xmlns="" xmlns:a14="http://schemas.microsoft.com/office/drawing/2010/main" w="9525">
                     <a:solidFill>
                       <a:srgbClr val="000000"/>
                     </a:solidFill>
@@ -11846,7 +11850,7 @@
               </a:ln>
               <a:extLst>
                 <a:ext uri="{91240B29-F687-4f45-9708-019B960494DF}">
-                  <a14:hiddenLine xmlns:a14="http://schemas.microsoft.com/office/drawing/2010/main" xmlns="" w="9525">
+                  <a14:hiddenLine xmlns="" xmlns:a14="http://schemas.microsoft.com/office/drawing/2010/main" w="9525">
                     <a:solidFill>
                       <a:srgbClr val="000000"/>
                     </a:solidFill>
@@ -11880,7 +11884,7 @@
               </a:ln>
               <a:extLst>
                 <a:ext uri="{91240B29-F687-4f45-9708-019B960494DF}">
-                  <a14:hiddenLine xmlns:a14="http://schemas.microsoft.com/office/drawing/2010/main" xmlns="" w="9525">
+                  <a14:hiddenLine xmlns="" xmlns:a14="http://schemas.microsoft.com/office/drawing/2010/main" w="9525">
                     <a:solidFill>
                       <a:srgbClr val="000000"/>
                     </a:solidFill>
@@ -12020,7 +12024,7 @@
           <a:p>
             <a:fld id="{D1CE084C-E6E2-4DB2-930F-DEAD16EF99CF}" type="datetimeFigureOut">
               <a:rPr lang="ru-RU" smtClean="0"/>
-              <a:t>16.01.2021</a:t>
+              <a:t>17.01.2021</a:t>
             </a:fld>
             <a:endParaRPr lang="ru-RU"/>
           </a:p>
@@ -12554,108 +12558,6 @@
 </p:sld>
 </file>
 
-<file path=ppt/slides/slide10.xml><?xml version="1.0" encoding="utf-8"?>
-<p:sld xmlns:a="http://schemas.openxmlformats.org/drawingml/2006/main" xmlns:r="http://schemas.openxmlformats.org/officeDocument/2006/relationships" xmlns:p="http://schemas.openxmlformats.org/presentationml/2006/main">
-  <p:cSld>
-    <p:spTree>
-      <p:nvGrpSpPr>
-        <p:cNvPr id="1" name=""/>
-        <p:cNvGrpSpPr/>
-        <p:nvPr/>
-      </p:nvGrpSpPr>
-      <p:grpSpPr>
-        <a:xfrm>
-          <a:off x="0" y="0"/>
-          <a:ext cx="0" cy="0"/>
-          <a:chOff x="0" y="0"/>
-          <a:chExt cx="0" cy="0"/>
-        </a:xfrm>
-      </p:grpSpPr>
-      <p:sp>
-        <p:nvSpPr>
-          <p:cNvPr id="2" name="Заголовок 1">
-            <a:extLst>
-              <a:ext uri="{FF2B5EF4-FFF2-40B4-BE49-F238E27FC236}">
-                <a16:creationId xmlns:a16="http://schemas.microsoft.com/office/drawing/2014/main" id="{EE6AD0AB-B65F-4AB5-BE4C-2E95D6983C67}"/>
-              </a:ext>
-            </a:extLst>
-          </p:cNvPr>
-          <p:cNvSpPr>
-            <a:spLocks noGrp="1"/>
-          </p:cNvSpPr>
-          <p:nvPr>
-            <p:ph type="title"/>
-          </p:nvPr>
-        </p:nvSpPr>
-        <p:spPr/>
-        <p:txBody>
-          <a:bodyPr/>
-          <a:lstStyle/>
-          <a:p>
-            <a:r>
-              <a:rPr lang="ru-RU" dirty="0"/>
-              <a:t>Проблемы проекта</a:t>
-            </a:r>
-          </a:p>
-        </p:txBody>
-      </p:sp>
-      <p:sp>
-        <p:nvSpPr>
-          <p:cNvPr id="3" name="Объект 2">
-            <a:extLst>
-              <a:ext uri="{FF2B5EF4-FFF2-40B4-BE49-F238E27FC236}">
-                <a16:creationId xmlns:a16="http://schemas.microsoft.com/office/drawing/2014/main" id="{3E223F15-046D-4678-9ED3-2968ACAFDD56}"/>
-              </a:ext>
-            </a:extLst>
-          </p:cNvPr>
-          <p:cNvSpPr>
-            <a:spLocks noGrp="1"/>
-          </p:cNvSpPr>
-          <p:nvPr>
-            <p:ph idx="1"/>
-          </p:nvPr>
-        </p:nvSpPr>
-        <p:spPr>
-          <a:xfrm>
-            <a:off x="1200136" y="2232709"/>
-            <a:ext cx="4990940" cy="3541714"/>
-          </a:xfrm>
-        </p:spPr>
-        <p:txBody>
-          <a:bodyPr/>
-          <a:lstStyle/>
-          <a:p>
-            <a:r>
-              <a:rPr lang="ru-RU" dirty="0"/>
-              <a:t>Баги с отскоком мячика</a:t>
-            </a:r>
-          </a:p>
-          <a:p>
-            <a:r>
-              <a:rPr lang="ru-RU" dirty="0"/>
-              <a:t>Баги с закрытием проекта во время перехода </a:t>
-            </a:r>
-            <a:r>
-              <a:rPr lang="ru-RU"/>
-              <a:t>между уровнями</a:t>
-            </a:r>
-            <a:endParaRPr lang="ru-RU" dirty="0"/>
-          </a:p>
-        </p:txBody>
-      </p:sp>
-    </p:spTree>
-    <p:extLst>
-      <p:ext uri="{BB962C8B-B14F-4D97-AF65-F5344CB8AC3E}">
-        <p14:creationId xmlns:p14="http://schemas.microsoft.com/office/powerpoint/2010/main" val="3030723736"/>
-      </p:ext>
-    </p:extLst>
-  </p:cSld>
-  <p:clrMapOvr>
-    <a:masterClrMapping/>
-  </p:clrMapOvr>
-</p:sld>
-</file>
-
 <file path=ppt/slides/slide2.xml><?xml version="1.0" encoding="utf-8"?>
 <p:sld xmlns:a="http://schemas.openxmlformats.org/drawingml/2006/main" xmlns:r="http://schemas.openxmlformats.org/officeDocument/2006/relationships" xmlns:p="http://schemas.openxmlformats.org/presentationml/2006/main">
   <p:cSld>
@@ -13068,12 +12970,6 @@
         <p:txBody>
           <a:bodyPr/>
           <a:lstStyle/>
-          <a:p>
-            <a:r>
-              <a:rPr lang="ru-RU" dirty="0"/>
-              <a:t>Мы слегка упростили концепт игры, но основные понятия мы не меняли</a:t>
-            </a:r>
-          </a:p>
           <a:p>
             <a:r>
               <a:rPr lang="ru-RU" dirty="0"/>
@@ -13662,7 +13558,7 @@
           <a:p>
             <a:r>
               <a:rPr lang="ru-RU" dirty="0"/>
-              <a:t>В основной программе 330 строк</a:t>
+              <a:t>В основной программе 360 строк</a:t>
             </a:r>
           </a:p>
           <a:p>

--- a/CyberШарики.pptx
+++ b/CyberШарики.pptx
@@ -170,7 +170,7 @@
           <a:noFill/>
           <a:extLst>
             <a:ext uri="{909E8E84-426E-40dd-AFC4-6F175D3DCCD1}">
-              <a14:hiddenFill xmlns="" xmlns:a14="http://schemas.microsoft.com/office/drawing/2010/main">
+              <a14:hiddenFill xmlns:a14="http://schemas.microsoft.com/office/drawing/2010/main" xmlns="">
                 <a:solidFill>
                   <a:srgbClr val="FFFFFF"/>
                 </a:solidFill>
@@ -230,7 +230,7 @@
             </a:ln>
             <a:extLst>
               <a:ext uri="{91240B29-F687-4f45-9708-019B960494DF}">
-                <a14:hiddenLine xmlns="" xmlns:a14="http://schemas.microsoft.com/office/drawing/2010/main" w="9525">
+                <a14:hiddenLine xmlns:a14="http://schemas.microsoft.com/office/drawing/2010/main" xmlns="" w="9525">
                   <a:solidFill>
                     <a:srgbClr val="000000"/>
                   </a:solidFill>
@@ -320,7 +320,7 @@
             </a:ln>
             <a:extLst>
               <a:ext uri="{91240B29-F687-4f45-9708-019B960494DF}">
-                <a14:hiddenLine xmlns="" xmlns:a14="http://schemas.microsoft.com/office/drawing/2010/main" w="9525">
+                <a14:hiddenLine xmlns:a14="http://schemas.microsoft.com/office/drawing/2010/main" xmlns="" w="9525">
                   <a:solidFill>
                     <a:srgbClr val="000000"/>
                   </a:solidFill>
@@ -410,7 +410,7 @@
             </a:ln>
             <a:extLst>
               <a:ext uri="{91240B29-F687-4f45-9708-019B960494DF}">
-                <a14:hiddenLine xmlns="" xmlns:a14="http://schemas.microsoft.com/office/drawing/2010/main" w="9525">
+                <a14:hiddenLine xmlns:a14="http://schemas.microsoft.com/office/drawing/2010/main" xmlns="" w="9525">
                   <a:solidFill>
                     <a:srgbClr val="000000"/>
                   </a:solidFill>
@@ -444,7 +444,7 @@
             </a:ln>
             <a:extLst>
               <a:ext uri="{91240B29-F687-4f45-9708-019B960494DF}">
-                <a14:hiddenLine xmlns="" xmlns:a14="http://schemas.microsoft.com/office/drawing/2010/main" w="9525">
+                <a14:hiddenLine xmlns:a14="http://schemas.microsoft.com/office/drawing/2010/main" xmlns="" w="9525">
                   <a:solidFill>
                     <a:srgbClr val="000000"/>
                   </a:solidFill>
@@ -534,7 +534,7 @@
             </a:ln>
             <a:extLst>
               <a:ext uri="{91240B29-F687-4f45-9708-019B960494DF}">
-                <a14:hiddenLine xmlns="" xmlns:a14="http://schemas.microsoft.com/office/drawing/2010/main" w="9525">
+                <a14:hiddenLine xmlns:a14="http://schemas.microsoft.com/office/drawing/2010/main" xmlns="" w="9525">
                   <a:solidFill>
                     <a:srgbClr val="000000"/>
                   </a:solidFill>
@@ -596,7 +596,7 @@
             </a:ln>
             <a:extLst>
               <a:ext uri="{91240B29-F687-4f45-9708-019B960494DF}">
-                <a14:hiddenLine xmlns="" xmlns:a14="http://schemas.microsoft.com/office/drawing/2010/main" w="9525">
+                <a14:hiddenLine xmlns:a14="http://schemas.microsoft.com/office/drawing/2010/main" xmlns="" w="9525">
                   <a:solidFill>
                     <a:srgbClr val="000000"/>
                   </a:solidFill>
@@ -658,7 +658,7 @@
             </a:ln>
             <a:extLst>
               <a:ext uri="{91240B29-F687-4f45-9708-019B960494DF}">
-                <a14:hiddenLine xmlns="" xmlns:a14="http://schemas.microsoft.com/office/drawing/2010/main" w="9525">
+                <a14:hiddenLine xmlns:a14="http://schemas.microsoft.com/office/drawing/2010/main" xmlns="" w="9525">
                   <a:solidFill>
                     <a:srgbClr val="000000"/>
                   </a:solidFill>
@@ -748,7 +748,7 @@
             </a:ln>
             <a:extLst>
               <a:ext uri="{91240B29-F687-4f45-9708-019B960494DF}">
-                <a14:hiddenLine xmlns="" xmlns:a14="http://schemas.microsoft.com/office/drawing/2010/main" w="9525">
+                <a14:hiddenLine xmlns:a14="http://schemas.microsoft.com/office/drawing/2010/main" xmlns="" w="9525">
                   <a:solidFill>
                     <a:srgbClr val="000000"/>
                   </a:solidFill>
@@ -810,7 +810,7 @@
             </a:ln>
             <a:extLst>
               <a:ext uri="{91240B29-F687-4f45-9708-019B960494DF}">
-                <a14:hiddenLine xmlns="" xmlns:a14="http://schemas.microsoft.com/office/drawing/2010/main" w="9525">
+                <a14:hiddenLine xmlns:a14="http://schemas.microsoft.com/office/drawing/2010/main" xmlns="" w="9525">
                   <a:solidFill>
                     <a:srgbClr val="000000"/>
                   </a:solidFill>
@@ -872,7 +872,7 @@
             </a:ln>
             <a:extLst>
               <a:ext uri="{91240B29-F687-4f45-9708-019B960494DF}">
-                <a14:hiddenLine xmlns="" xmlns:a14="http://schemas.microsoft.com/office/drawing/2010/main" w="9525">
+                <a14:hiddenLine xmlns:a14="http://schemas.microsoft.com/office/drawing/2010/main" xmlns="" w="9525">
                   <a:solidFill>
                     <a:srgbClr val="000000"/>
                   </a:solidFill>
@@ -962,7 +962,7 @@
             </a:ln>
             <a:extLst>
               <a:ext uri="{91240B29-F687-4f45-9708-019B960494DF}">
-                <a14:hiddenLine xmlns="" xmlns:a14="http://schemas.microsoft.com/office/drawing/2010/main" w="9525">
+                <a14:hiddenLine xmlns:a14="http://schemas.microsoft.com/office/drawing/2010/main" xmlns="" w="9525">
                   <a:solidFill>
                     <a:srgbClr val="000000"/>
                   </a:solidFill>
@@ -1052,7 +1052,7 @@
             </a:ln>
             <a:extLst>
               <a:ext uri="{91240B29-F687-4f45-9708-019B960494DF}">
-                <a14:hiddenLine xmlns="" xmlns:a14="http://schemas.microsoft.com/office/drawing/2010/main" w="9525">
+                <a14:hiddenLine xmlns:a14="http://schemas.microsoft.com/office/drawing/2010/main" xmlns="" w="9525">
                   <a:solidFill>
                     <a:srgbClr val="000000"/>
                   </a:solidFill>
@@ -1114,7 +1114,7 @@
             </a:ln>
             <a:extLst>
               <a:ext uri="{91240B29-F687-4f45-9708-019B960494DF}">
-                <a14:hiddenLine xmlns="" xmlns:a14="http://schemas.microsoft.com/office/drawing/2010/main" w="9525">
+                <a14:hiddenLine xmlns:a14="http://schemas.microsoft.com/office/drawing/2010/main" xmlns="" w="9525">
                   <a:solidFill>
                     <a:srgbClr val="000000"/>
                   </a:solidFill>
@@ -1224,7 +1224,7 @@
             </a:ln>
             <a:extLst>
               <a:ext uri="{91240B29-F687-4f45-9708-019B960494DF}">
-                <a14:hiddenLine xmlns="" xmlns:a14="http://schemas.microsoft.com/office/drawing/2010/main" w="9525">
+                <a14:hiddenLine xmlns:a14="http://schemas.microsoft.com/office/drawing/2010/main" xmlns="" w="9525">
                   <a:solidFill>
                     <a:srgbClr val="000000"/>
                   </a:solidFill>
@@ -1286,7 +1286,7 @@
             </a:ln>
             <a:extLst>
               <a:ext uri="{91240B29-F687-4f45-9708-019B960494DF}">
-                <a14:hiddenLine xmlns="" xmlns:a14="http://schemas.microsoft.com/office/drawing/2010/main" w="9525">
+                <a14:hiddenLine xmlns:a14="http://schemas.microsoft.com/office/drawing/2010/main" xmlns="" w="9525">
                   <a:solidFill>
                     <a:srgbClr val="000000"/>
                   </a:solidFill>
@@ -1376,7 +1376,7 @@
             </a:ln>
             <a:extLst>
               <a:ext uri="{91240B29-F687-4f45-9708-019B960494DF}">
-                <a14:hiddenLine xmlns="" xmlns:a14="http://schemas.microsoft.com/office/drawing/2010/main" w="9525">
+                <a14:hiddenLine xmlns:a14="http://schemas.microsoft.com/office/drawing/2010/main" xmlns="" w="9525">
                   <a:solidFill>
                     <a:srgbClr val="000000"/>
                   </a:solidFill>
@@ -1466,7 +1466,7 @@
             </a:ln>
             <a:extLst>
               <a:ext uri="{91240B29-F687-4f45-9708-019B960494DF}">
-                <a14:hiddenLine xmlns="" xmlns:a14="http://schemas.microsoft.com/office/drawing/2010/main" w="9525">
+                <a14:hiddenLine xmlns:a14="http://schemas.microsoft.com/office/drawing/2010/main" xmlns="" w="9525">
                   <a:solidFill>
                     <a:srgbClr val="000000"/>
                   </a:solidFill>
@@ -1528,7 +1528,7 @@
             </a:ln>
             <a:extLst>
               <a:ext uri="{91240B29-F687-4f45-9708-019B960494DF}">
-                <a14:hiddenLine xmlns="" xmlns:a14="http://schemas.microsoft.com/office/drawing/2010/main" w="9525">
+                <a14:hiddenLine xmlns:a14="http://schemas.microsoft.com/office/drawing/2010/main" xmlns="" w="9525">
                   <a:solidFill>
                     <a:srgbClr val="000000"/>
                   </a:solidFill>
@@ -1618,7 +1618,7 @@
             </a:ln>
             <a:extLst>
               <a:ext uri="{91240B29-F687-4f45-9708-019B960494DF}">
-                <a14:hiddenLine xmlns="" xmlns:a14="http://schemas.microsoft.com/office/drawing/2010/main" w="9525">
+                <a14:hiddenLine xmlns:a14="http://schemas.microsoft.com/office/drawing/2010/main" xmlns="" w="9525">
                   <a:solidFill>
                     <a:srgbClr val="000000"/>
                   </a:solidFill>
@@ -1708,7 +1708,7 @@
             </a:ln>
             <a:extLst>
               <a:ext uri="{91240B29-F687-4f45-9708-019B960494DF}">
-                <a14:hiddenLine xmlns="" xmlns:a14="http://schemas.microsoft.com/office/drawing/2010/main" w="9525">
+                <a14:hiddenLine xmlns:a14="http://schemas.microsoft.com/office/drawing/2010/main" xmlns="" w="9525">
                   <a:solidFill>
                     <a:srgbClr val="000000"/>
                   </a:solidFill>
@@ -1764,7 +1764,7 @@
             </a:ln>
             <a:extLst>
               <a:ext uri="{91240B29-F687-4f45-9708-019B960494DF}">
-                <a14:hiddenLine xmlns="" xmlns:a14="http://schemas.microsoft.com/office/drawing/2010/main" w="9525">
+                <a14:hiddenLine xmlns:a14="http://schemas.microsoft.com/office/drawing/2010/main" xmlns="" w="9525">
                   <a:solidFill>
                     <a:srgbClr val="000000"/>
                   </a:solidFill>
@@ -1854,7 +1854,7 @@
             </a:ln>
             <a:extLst>
               <a:ext uri="{91240B29-F687-4f45-9708-019B960494DF}">
-                <a14:hiddenLine xmlns="" xmlns:a14="http://schemas.microsoft.com/office/drawing/2010/main" w="9525">
+                <a14:hiddenLine xmlns:a14="http://schemas.microsoft.com/office/drawing/2010/main" xmlns="" w="9525">
                   <a:solidFill>
                     <a:srgbClr val="000000"/>
                   </a:solidFill>
@@ -1910,7 +1910,7 @@
             </a:ln>
             <a:extLst>
               <a:ext uri="{91240B29-F687-4f45-9708-019B960494DF}">
-                <a14:hiddenLine xmlns="" xmlns:a14="http://schemas.microsoft.com/office/drawing/2010/main" w="9525">
+                <a14:hiddenLine xmlns:a14="http://schemas.microsoft.com/office/drawing/2010/main" xmlns="" w="9525">
                   <a:solidFill>
                     <a:srgbClr val="000000"/>
                   </a:solidFill>
@@ -2000,7 +2000,7 @@
             </a:ln>
             <a:extLst>
               <a:ext uri="{91240B29-F687-4f45-9708-019B960494DF}">
-                <a14:hiddenLine xmlns="" xmlns:a14="http://schemas.microsoft.com/office/drawing/2010/main" w="9525">
+                <a14:hiddenLine xmlns:a14="http://schemas.microsoft.com/office/drawing/2010/main" xmlns="" w="9525">
                   <a:solidFill>
                     <a:srgbClr val="000000"/>
                   </a:solidFill>
@@ -2068,7 +2068,7 @@
             </a:ln>
             <a:extLst>
               <a:ext uri="{91240B29-F687-4f45-9708-019B960494DF}">
-                <a14:hiddenLine xmlns="" xmlns:a14="http://schemas.microsoft.com/office/drawing/2010/main" w="9525">
+                <a14:hiddenLine xmlns:a14="http://schemas.microsoft.com/office/drawing/2010/main" xmlns="" w="9525">
                   <a:solidFill>
                     <a:srgbClr val="000000"/>
                   </a:solidFill>
@@ -2158,7 +2158,7 @@
             </a:ln>
             <a:extLst>
               <a:ext uri="{91240B29-F687-4f45-9708-019B960494DF}">
-                <a14:hiddenLine xmlns="" xmlns:a14="http://schemas.microsoft.com/office/drawing/2010/main" w="9525">
+                <a14:hiddenLine xmlns:a14="http://schemas.microsoft.com/office/drawing/2010/main" xmlns="" w="9525">
                   <a:solidFill>
                     <a:srgbClr val="000000"/>
                   </a:solidFill>
@@ -2226,7 +2226,7 @@
             </a:ln>
             <a:extLst>
               <a:ext uri="{91240B29-F687-4f45-9708-019B960494DF}">
-                <a14:hiddenLine xmlns="" xmlns:a14="http://schemas.microsoft.com/office/drawing/2010/main" w="9525">
+                <a14:hiddenLine xmlns:a14="http://schemas.microsoft.com/office/drawing/2010/main" xmlns="" w="9525">
                   <a:solidFill>
                     <a:srgbClr val="000000"/>
                   </a:solidFill>
@@ -2316,7 +2316,7 @@
             </a:ln>
             <a:extLst>
               <a:ext uri="{91240B29-F687-4f45-9708-019B960494DF}">
-                <a14:hiddenLine xmlns="" xmlns:a14="http://schemas.microsoft.com/office/drawing/2010/main" w="9525">
+                <a14:hiddenLine xmlns:a14="http://schemas.microsoft.com/office/drawing/2010/main" xmlns="" w="9525">
                   <a:solidFill>
                     <a:srgbClr val="000000"/>
                   </a:solidFill>
@@ -2350,7 +2350,7 @@
             </a:ln>
             <a:extLst>
               <a:ext uri="{91240B29-F687-4f45-9708-019B960494DF}">
-                <a14:hiddenLine xmlns="" xmlns:a14="http://schemas.microsoft.com/office/drawing/2010/main" w="9525">
+                <a14:hiddenLine xmlns:a14="http://schemas.microsoft.com/office/drawing/2010/main" xmlns="" w="9525">
                   <a:solidFill>
                     <a:srgbClr val="000000"/>
                   </a:solidFill>
@@ -2440,7 +2440,7 @@
             </a:ln>
             <a:extLst>
               <a:ext uri="{91240B29-F687-4f45-9708-019B960494DF}">
-                <a14:hiddenLine xmlns="" xmlns:a14="http://schemas.microsoft.com/office/drawing/2010/main" w="9525">
+                <a14:hiddenLine xmlns:a14="http://schemas.microsoft.com/office/drawing/2010/main" xmlns="" w="9525">
                   <a:solidFill>
                     <a:srgbClr val="000000"/>
                   </a:solidFill>
@@ -2502,7 +2502,7 @@
             </a:ln>
             <a:extLst>
               <a:ext uri="{91240B29-F687-4f45-9708-019B960494DF}">
-                <a14:hiddenLine xmlns="" xmlns:a14="http://schemas.microsoft.com/office/drawing/2010/main" w="9525">
+                <a14:hiddenLine xmlns:a14="http://schemas.microsoft.com/office/drawing/2010/main" xmlns="" w="9525">
                   <a:solidFill>
                     <a:srgbClr val="000000"/>
                   </a:solidFill>
@@ -2564,7 +2564,7 @@
             </a:ln>
             <a:extLst>
               <a:ext uri="{91240B29-F687-4f45-9708-019B960494DF}">
-                <a14:hiddenLine xmlns="" xmlns:a14="http://schemas.microsoft.com/office/drawing/2010/main" w="9525">
+                <a14:hiddenLine xmlns:a14="http://schemas.microsoft.com/office/drawing/2010/main" xmlns="" w="9525">
                   <a:solidFill>
                     <a:srgbClr val="000000"/>
                   </a:solidFill>
@@ -2654,7 +2654,7 @@
             </a:ln>
             <a:extLst>
               <a:ext uri="{91240B29-F687-4f45-9708-019B960494DF}">
-                <a14:hiddenLine xmlns="" xmlns:a14="http://schemas.microsoft.com/office/drawing/2010/main" w="9525">
+                <a14:hiddenLine xmlns:a14="http://schemas.microsoft.com/office/drawing/2010/main" xmlns="" w="9525">
                   <a:solidFill>
                     <a:srgbClr val="000000"/>
                   </a:solidFill>
@@ -2722,7 +2722,7 @@
             </a:ln>
             <a:extLst>
               <a:ext uri="{91240B29-F687-4f45-9708-019B960494DF}">
-                <a14:hiddenLine xmlns="" xmlns:a14="http://schemas.microsoft.com/office/drawing/2010/main" w="9525">
+                <a14:hiddenLine xmlns:a14="http://schemas.microsoft.com/office/drawing/2010/main" xmlns="" w="9525">
                   <a:solidFill>
                     <a:srgbClr val="000000"/>
                   </a:solidFill>
@@ -2784,7 +2784,7 @@
             </a:ln>
             <a:extLst>
               <a:ext uri="{91240B29-F687-4f45-9708-019B960494DF}">
-                <a14:hiddenLine xmlns="" xmlns:a14="http://schemas.microsoft.com/office/drawing/2010/main" w="9525">
+                <a14:hiddenLine xmlns:a14="http://schemas.microsoft.com/office/drawing/2010/main" xmlns="" w="9525">
                   <a:solidFill>
                     <a:srgbClr val="000000"/>
                   </a:solidFill>
@@ -2874,7 +2874,7 @@
             </a:ln>
             <a:extLst>
               <a:ext uri="{91240B29-F687-4f45-9708-019B960494DF}">
-                <a14:hiddenLine xmlns="" xmlns:a14="http://schemas.microsoft.com/office/drawing/2010/main" w="9525">
+                <a14:hiddenLine xmlns:a14="http://schemas.microsoft.com/office/drawing/2010/main" xmlns="" w="9525">
                   <a:solidFill>
                     <a:srgbClr val="000000"/>
                   </a:solidFill>
@@ -2936,7 +2936,7 @@
             </a:ln>
             <a:extLst>
               <a:ext uri="{91240B29-F687-4f45-9708-019B960494DF}">
-                <a14:hiddenLine xmlns="" xmlns:a14="http://schemas.microsoft.com/office/drawing/2010/main" w="9525">
+                <a14:hiddenLine xmlns:a14="http://schemas.microsoft.com/office/drawing/2010/main" xmlns="" w="9525">
                   <a:solidFill>
                     <a:srgbClr val="000000"/>
                   </a:solidFill>
@@ -3026,7 +3026,7 @@
             </a:ln>
             <a:extLst>
               <a:ext uri="{91240B29-F687-4f45-9708-019B960494DF}">
-                <a14:hiddenLine xmlns="" xmlns:a14="http://schemas.microsoft.com/office/drawing/2010/main" w="9525">
+                <a14:hiddenLine xmlns:a14="http://schemas.microsoft.com/office/drawing/2010/main" xmlns="" w="9525">
                   <a:solidFill>
                     <a:srgbClr val="000000"/>
                   </a:solidFill>
@@ -3088,7 +3088,7 @@
             </a:ln>
             <a:extLst>
               <a:ext uri="{91240B29-F687-4f45-9708-019B960494DF}">
-                <a14:hiddenLine xmlns="" xmlns:a14="http://schemas.microsoft.com/office/drawing/2010/main" w="9525">
+                <a14:hiddenLine xmlns:a14="http://schemas.microsoft.com/office/drawing/2010/main" xmlns="" w="9525">
                   <a:solidFill>
                     <a:srgbClr val="000000"/>
                   </a:solidFill>
@@ -3178,7 +3178,7 @@
             </a:ln>
             <a:extLst>
               <a:ext uri="{91240B29-F687-4f45-9708-019B960494DF}">
-                <a14:hiddenLine xmlns="" xmlns:a14="http://schemas.microsoft.com/office/drawing/2010/main" w="9525">
+                <a14:hiddenLine xmlns:a14="http://schemas.microsoft.com/office/drawing/2010/main" xmlns="" w="9525">
                   <a:solidFill>
                     <a:srgbClr val="000000"/>
                   </a:solidFill>
@@ -3212,7 +3212,7 @@
             </a:ln>
             <a:extLst>
               <a:ext uri="{91240B29-F687-4f45-9708-019B960494DF}">
-                <a14:hiddenLine xmlns="" xmlns:a14="http://schemas.microsoft.com/office/drawing/2010/main" w="9525">
+                <a14:hiddenLine xmlns:a14="http://schemas.microsoft.com/office/drawing/2010/main" xmlns="" w="9525">
                   <a:solidFill>
                     <a:srgbClr val="000000"/>
                   </a:solidFill>
@@ -3277,7 +3277,7 @@
             </a:ln>
             <a:extLst>
               <a:ext uri="{91240B29-F687-4f45-9708-019B960494DF}">
-                <a14:hiddenLine xmlns="" xmlns:a14="http://schemas.microsoft.com/office/drawing/2010/main" w="9525">
+                <a14:hiddenLine xmlns:a14="http://schemas.microsoft.com/office/drawing/2010/main" xmlns="" w="9525">
                   <a:solidFill>
                     <a:srgbClr val="000000"/>
                   </a:solidFill>
@@ -3367,7 +3367,7 @@
             </a:ln>
             <a:extLst>
               <a:ext uri="{91240B29-F687-4f45-9708-019B960494DF}">
-                <a14:hiddenLine xmlns="" xmlns:a14="http://schemas.microsoft.com/office/drawing/2010/main" w="9525">
+                <a14:hiddenLine xmlns:a14="http://schemas.microsoft.com/office/drawing/2010/main" xmlns="" w="9525">
                   <a:solidFill>
                     <a:srgbClr val="000000"/>
                   </a:solidFill>
@@ -3429,7 +3429,7 @@
             </a:ln>
             <a:extLst>
               <a:ext uri="{91240B29-F687-4f45-9708-019B960494DF}">
-                <a14:hiddenLine xmlns="" xmlns:a14="http://schemas.microsoft.com/office/drawing/2010/main" w="9525">
+                <a14:hiddenLine xmlns:a14="http://schemas.microsoft.com/office/drawing/2010/main" xmlns="" w="9525">
                   <a:solidFill>
                     <a:srgbClr val="000000"/>
                   </a:solidFill>
@@ -3519,7 +3519,7 @@
             </a:ln>
             <a:extLst>
               <a:ext uri="{91240B29-F687-4f45-9708-019B960494DF}">
-                <a14:hiddenLine xmlns="" xmlns:a14="http://schemas.microsoft.com/office/drawing/2010/main" w="9525">
+                <a14:hiddenLine xmlns:a14="http://schemas.microsoft.com/office/drawing/2010/main" xmlns="" w="9525">
                   <a:solidFill>
                     <a:srgbClr val="000000"/>
                   </a:solidFill>
@@ -3609,7 +3609,7 @@
             </a:ln>
             <a:extLst>
               <a:ext uri="{91240B29-F687-4f45-9708-019B960494DF}">
-                <a14:hiddenLine xmlns="" xmlns:a14="http://schemas.microsoft.com/office/drawing/2010/main" w="9525">
+                <a14:hiddenLine xmlns:a14="http://schemas.microsoft.com/office/drawing/2010/main" xmlns="" w="9525">
                   <a:solidFill>
                     <a:srgbClr val="000000"/>
                   </a:solidFill>
@@ -3674,7 +3674,7 @@
             </a:ln>
             <a:extLst>
               <a:ext uri="{91240B29-F687-4f45-9708-019B960494DF}">
-                <a14:hiddenLine xmlns="" xmlns:a14="http://schemas.microsoft.com/office/drawing/2010/main" w="9525">
+                <a14:hiddenLine xmlns:a14="http://schemas.microsoft.com/office/drawing/2010/main" xmlns="" w="9525">
                   <a:solidFill>
                     <a:srgbClr val="000000"/>
                   </a:solidFill>
@@ -3736,7 +3736,7 @@
             </a:ln>
             <a:extLst>
               <a:ext uri="{91240B29-F687-4f45-9708-019B960494DF}">
-                <a14:hiddenLine xmlns="" xmlns:a14="http://schemas.microsoft.com/office/drawing/2010/main" w="9525">
+                <a14:hiddenLine xmlns:a14="http://schemas.microsoft.com/office/drawing/2010/main" xmlns="" w="9525">
                   <a:solidFill>
                     <a:srgbClr val="000000"/>
                   </a:solidFill>
@@ -3826,7 +3826,7 @@
             </a:ln>
             <a:extLst>
               <a:ext uri="{91240B29-F687-4f45-9708-019B960494DF}">
-                <a14:hiddenLine xmlns="" xmlns:a14="http://schemas.microsoft.com/office/drawing/2010/main" w="9525">
+                <a14:hiddenLine xmlns:a14="http://schemas.microsoft.com/office/drawing/2010/main" xmlns="" w="9525">
                   <a:solidFill>
                     <a:srgbClr val="000000"/>
                   </a:solidFill>
@@ -3916,7 +3916,7 @@
             </a:ln>
             <a:extLst>
               <a:ext uri="{91240B29-F687-4f45-9708-019B960494DF}">
-                <a14:hiddenLine xmlns="" xmlns:a14="http://schemas.microsoft.com/office/drawing/2010/main" w="9525">
+                <a14:hiddenLine xmlns:a14="http://schemas.microsoft.com/office/drawing/2010/main" xmlns="" w="9525">
                   <a:solidFill>
                     <a:srgbClr val="000000"/>
                   </a:solidFill>
@@ -3978,7 +3978,7 @@
             </a:ln>
             <a:extLst>
               <a:ext uri="{91240B29-F687-4f45-9708-019B960494DF}">
-                <a14:hiddenLine xmlns="" xmlns:a14="http://schemas.microsoft.com/office/drawing/2010/main" w="9525">
+                <a14:hiddenLine xmlns:a14="http://schemas.microsoft.com/office/drawing/2010/main" xmlns="" w="9525">
                   <a:solidFill>
                     <a:srgbClr val="000000"/>
                   </a:solidFill>
@@ -4098,7 +4098,7 @@
             </a:ln>
             <a:extLst>
               <a:ext uri="{91240B29-F687-4f45-9708-019B960494DF}">
-                <a14:hiddenLine xmlns="" xmlns:a14="http://schemas.microsoft.com/office/drawing/2010/main" w="9525">
+                <a14:hiddenLine xmlns:a14="http://schemas.microsoft.com/office/drawing/2010/main" xmlns="" w="9525">
                   <a:solidFill>
                     <a:srgbClr val="000000"/>
                   </a:solidFill>
@@ -4166,7 +4166,7 @@
             </a:ln>
             <a:extLst>
               <a:ext uri="{91240B29-F687-4f45-9708-019B960494DF}">
-                <a14:hiddenLine xmlns="" xmlns:a14="http://schemas.microsoft.com/office/drawing/2010/main" w="9525">
+                <a14:hiddenLine xmlns:a14="http://schemas.microsoft.com/office/drawing/2010/main" xmlns="" w="9525">
                   <a:solidFill>
                     <a:srgbClr val="000000"/>
                   </a:solidFill>
@@ -4256,7 +4256,7 @@
             </a:ln>
             <a:extLst>
               <a:ext uri="{91240B29-F687-4f45-9708-019B960494DF}">
-                <a14:hiddenLine xmlns="" xmlns:a14="http://schemas.microsoft.com/office/drawing/2010/main" w="9525">
+                <a14:hiddenLine xmlns:a14="http://schemas.microsoft.com/office/drawing/2010/main" xmlns="" w="9525">
                   <a:solidFill>
                     <a:srgbClr val="000000"/>
                   </a:solidFill>
@@ -9063,7 +9063,7 @@
           <a:noFill/>
           <a:extLst>
             <a:ext uri="{909E8E84-426E-40dd-AFC4-6F175D3DCCD1}">
-              <a14:hiddenFill xmlns="" xmlns:a14="http://schemas.microsoft.com/office/drawing/2010/main">
+              <a14:hiddenFill xmlns:a14="http://schemas.microsoft.com/office/drawing/2010/main" xmlns="">
                 <a:solidFill>
                   <a:srgbClr val="FFFFFF"/>
                 </a:solidFill>
@@ -9137,7 +9137,7 @@
               </a:ln>
               <a:extLst>
                 <a:ext uri="{91240B29-F687-4f45-9708-019B960494DF}">
-                  <a14:hiddenLine xmlns="" xmlns:a14="http://schemas.microsoft.com/office/drawing/2010/main" w="9525">
+                  <a14:hiddenLine xmlns:a14="http://schemas.microsoft.com/office/drawing/2010/main" xmlns="" w="9525">
                     <a:solidFill>
                       <a:srgbClr val="000000"/>
                     </a:solidFill>
@@ -9227,7 +9227,7 @@
               </a:ln>
               <a:extLst>
                 <a:ext uri="{91240B29-F687-4f45-9708-019B960494DF}">
-                  <a14:hiddenLine xmlns="" xmlns:a14="http://schemas.microsoft.com/office/drawing/2010/main" w="9525">
+                  <a14:hiddenLine xmlns:a14="http://schemas.microsoft.com/office/drawing/2010/main" xmlns="" w="9525">
                     <a:solidFill>
                       <a:srgbClr val="000000"/>
                     </a:solidFill>
@@ -9317,7 +9317,7 @@
               </a:ln>
               <a:extLst>
                 <a:ext uri="{91240B29-F687-4f45-9708-019B960494DF}">
-                  <a14:hiddenLine xmlns="" xmlns:a14="http://schemas.microsoft.com/office/drawing/2010/main" w="9525">
+                  <a14:hiddenLine xmlns:a14="http://schemas.microsoft.com/office/drawing/2010/main" xmlns="" w="9525">
                     <a:solidFill>
                       <a:srgbClr val="000000"/>
                     </a:solidFill>
@@ -9379,7 +9379,7 @@
               </a:ln>
               <a:extLst>
                 <a:ext uri="{91240B29-F687-4f45-9708-019B960494DF}">
-                  <a14:hiddenLine xmlns="" xmlns:a14="http://schemas.microsoft.com/office/drawing/2010/main" w="9525">
+                  <a14:hiddenLine xmlns:a14="http://schemas.microsoft.com/office/drawing/2010/main" xmlns="" w="9525">
                     <a:solidFill>
                       <a:srgbClr val="000000"/>
                     </a:solidFill>
@@ -9469,7 +9469,7 @@
               </a:ln>
               <a:extLst>
                 <a:ext uri="{91240B29-F687-4f45-9708-019B960494DF}">
-                  <a14:hiddenLine xmlns="" xmlns:a14="http://schemas.microsoft.com/office/drawing/2010/main" w="9525">
+                  <a14:hiddenLine xmlns:a14="http://schemas.microsoft.com/office/drawing/2010/main" xmlns="" w="9525">
                     <a:solidFill>
                       <a:srgbClr val="000000"/>
                     </a:solidFill>
@@ -9531,7 +9531,7 @@
               </a:ln>
               <a:extLst>
                 <a:ext uri="{91240B29-F687-4f45-9708-019B960494DF}">
-                  <a14:hiddenLine xmlns="" xmlns:a14="http://schemas.microsoft.com/office/drawing/2010/main" w="9525">
+                  <a14:hiddenLine xmlns:a14="http://schemas.microsoft.com/office/drawing/2010/main" xmlns="" w="9525">
                     <a:solidFill>
                       <a:srgbClr val="000000"/>
                     </a:solidFill>
@@ -9593,7 +9593,7 @@
               </a:ln>
               <a:extLst>
                 <a:ext uri="{91240B29-F687-4f45-9708-019B960494DF}">
-                  <a14:hiddenLine xmlns="" xmlns:a14="http://schemas.microsoft.com/office/drawing/2010/main" w="9525">
+                  <a14:hiddenLine xmlns:a14="http://schemas.microsoft.com/office/drawing/2010/main" xmlns="" w="9525">
                     <a:solidFill>
                       <a:srgbClr val="000000"/>
                     </a:solidFill>
@@ -9683,7 +9683,7 @@
               </a:ln>
               <a:extLst>
                 <a:ext uri="{91240B29-F687-4f45-9708-019B960494DF}">
-                  <a14:hiddenLine xmlns="" xmlns:a14="http://schemas.microsoft.com/office/drawing/2010/main" w="9525">
+                  <a14:hiddenLine xmlns:a14="http://schemas.microsoft.com/office/drawing/2010/main" xmlns="" w="9525">
                     <a:solidFill>
                       <a:srgbClr val="000000"/>
                     </a:solidFill>
@@ -9773,7 +9773,7 @@
               </a:ln>
               <a:extLst>
                 <a:ext uri="{91240B29-F687-4f45-9708-019B960494DF}">
-                  <a14:hiddenLine xmlns="" xmlns:a14="http://schemas.microsoft.com/office/drawing/2010/main" w="9525">
+                  <a14:hiddenLine xmlns:a14="http://schemas.microsoft.com/office/drawing/2010/main" xmlns="" w="9525">
                     <a:solidFill>
                       <a:srgbClr val="000000"/>
                     </a:solidFill>
@@ -9835,7 +9835,7 @@
               </a:ln>
               <a:extLst>
                 <a:ext uri="{91240B29-F687-4f45-9708-019B960494DF}">
-                  <a14:hiddenLine xmlns="" xmlns:a14="http://schemas.microsoft.com/office/drawing/2010/main" w="9525">
+                  <a14:hiddenLine xmlns:a14="http://schemas.microsoft.com/office/drawing/2010/main" xmlns="" w="9525">
                     <a:solidFill>
                       <a:srgbClr val="000000"/>
                     </a:solidFill>
@@ -9945,7 +9945,7 @@
               </a:ln>
               <a:extLst>
                 <a:ext uri="{91240B29-F687-4f45-9708-019B960494DF}">
-                  <a14:hiddenLine xmlns="" xmlns:a14="http://schemas.microsoft.com/office/drawing/2010/main" w="9525">
+                  <a14:hiddenLine xmlns:a14="http://schemas.microsoft.com/office/drawing/2010/main" xmlns="" w="9525">
                     <a:solidFill>
                       <a:srgbClr val="000000"/>
                     </a:solidFill>
@@ -10029,7 +10029,7 @@
               </a:ln>
               <a:extLst>
                 <a:ext uri="{91240B29-F687-4f45-9708-019B960494DF}">
-                  <a14:hiddenLine xmlns="" xmlns:a14="http://schemas.microsoft.com/office/drawing/2010/main" w="9525">
+                  <a14:hiddenLine xmlns:a14="http://schemas.microsoft.com/office/drawing/2010/main" xmlns="" w="9525">
                     <a:solidFill>
                       <a:srgbClr val="000000"/>
                     </a:solidFill>
@@ -10091,7 +10091,7 @@
               </a:ln>
               <a:extLst>
                 <a:ext uri="{91240B29-F687-4f45-9708-019B960494DF}">
-                  <a14:hiddenLine xmlns="" xmlns:a14="http://schemas.microsoft.com/office/drawing/2010/main" w="9525">
+                  <a14:hiddenLine xmlns:a14="http://schemas.microsoft.com/office/drawing/2010/main" xmlns="" w="9525">
                     <a:solidFill>
                       <a:srgbClr val="000000"/>
                     </a:solidFill>
@@ -10153,7 +10153,7 @@
               </a:ln>
               <a:extLst>
                 <a:ext uri="{91240B29-F687-4f45-9708-019B960494DF}">
-                  <a14:hiddenLine xmlns="" xmlns:a14="http://schemas.microsoft.com/office/drawing/2010/main" w="9525">
+                  <a14:hiddenLine xmlns:a14="http://schemas.microsoft.com/office/drawing/2010/main" xmlns="" w="9525">
                     <a:solidFill>
                       <a:srgbClr val="000000"/>
                     </a:solidFill>
@@ -10243,7 +10243,7 @@
               </a:ln>
               <a:extLst>
                 <a:ext uri="{91240B29-F687-4f45-9708-019B960494DF}">
-                  <a14:hiddenLine xmlns="" xmlns:a14="http://schemas.microsoft.com/office/drawing/2010/main" w="9525">
+                  <a14:hiddenLine xmlns:a14="http://schemas.microsoft.com/office/drawing/2010/main" xmlns="" w="9525">
                     <a:solidFill>
                       <a:srgbClr val="000000"/>
                     </a:solidFill>
@@ -10277,7 +10277,7 @@
               </a:ln>
               <a:extLst>
                 <a:ext uri="{91240B29-F687-4f45-9708-019B960494DF}">
-                  <a14:hiddenLine xmlns="" xmlns:a14="http://schemas.microsoft.com/office/drawing/2010/main" w="9525">
+                  <a14:hiddenLine xmlns:a14="http://schemas.microsoft.com/office/drawing/2010/main" xmlns="" w="9525">
                     <a:solidFill>
                       <a:srgbClr val="000000"/>
                     </a:solidFill>
@@ -10342,7 +10342,7 @@
               </a:ln>
               <a:extLst>
                 <a:ext uri="{91240B29-F687-4f45-9708-019B960494DF}">
-                  <a14:hiddenLine xmlns="" xmlns:a14="http://schemas.microsoft.com/office/drawing/2010/main" w="9525">
+                  <a14:hiddenLine xmlns:a14="http://schemas.microsoft.com/office/drawing/2010/main" xmlns="" w="9525">
                     <a:solidFill>
                       <a:srgbClr val="000000"/>
                     </a:solidFill>
@@ -10432,7 +10432,7 @@
               </a:ln>
               <a:extLst>
                 <a:ext uri="{91240B29-F687-4f45-9708-019B960494DF}">
-                  <a14:hiddenLine xmlns="" xmlns:a14="http://schemas.microsoft.com/office/drawing/2010/main" w="9525">
+                  <a14:hiddenLine xmlns:a14="http://schemas.microsoft.com/office/drawing/2010/main" xmlns="" w="9525">
                     <a:solidFill>
                       <a:srgbClr val="000000"/>
                     </a:solidFill>
@@ -10494,7 +10494,7 @@
               </a:ln>
               <a:extLst>
                 <a:ext uri="{91240B29-F687-4f45-9708-019B960494DF}">
-                  <a14:hiddenLine xmlns="" xmlns:a14="http://schemas.microsoft.com/office/drawing/2010/main" w="9525">
+                  <a14:hiddenLine xmlns:a14="http://schemas.microsoft.com/office/drawing/2010/main" xmlns="" w="9525">
                     <a:solidFill>
                       <a:srgbClr val="000000"/>
                     </a:solidFill>
@@ -10584,7 +10584,7 @@
               </a:ln>
               <a:extLst>
                 <a:ext uri="{91240B29-F687-4f45-9708-019B960494DF}">
-                  <a14:hiddenLine xmlns="" xmlns:a14="http://schemas.microsoft.com/office/drawing/2010/main" w="9525">
+                  <a14:hiddenLine xmlns:a14="http://schemas.microsoft.com/office/drawing/2010/main" xmlns="" w="9525">
                     <a:solidFill>
                       <a:srgbClr val="000000"/>
                     </a:solidFill>
@@ -10649,7 +10649,7 @@
               </a:ln>
               <a:extLst>
                 <a:ext uri="{91240B29-F687-4f45-9708-019B960494DF}">
-                  <a14:hiddenLine xmlns="" xmlns:a14="http://schemas.microsoft.com/office/drawing/2010/main" w="9525">
+                  <a14:hiddenLine xmlns:a14="http://schemas.microsoft.com/office/drawing/2010/main" xmlns="" w="9525">
                     <a:solidFill>
                       <a:srgbClr val="000000"/>
                     </a:solidFill>
@@ -10711,7 +10711,7 @@
               </a:ln>
               <a:extLst>
                 <a:ext uri="{91240B29-F687-4f45-9708-019B960494DF}">
-                  <a14:hiddenLine xmlns="" xmlns:a14="http://schemas.microsoft.com/office/drawing/2010/main" w="9525">
+                  <a14:hiddenLine xmlns:a14="http://schemas.microsoft.com/office/drawing/2010/main" xmlns="" w="9525">
                     <a:solidFill>
                       <a:srgbClr val="000000"/>
                     </a:solidFill>
@@ -10801,7 +10801,7 @@
               </a:ln>
               <a:extLst>
                 <a:ext uri="{91240B29-F687-4f45-9708-019B960494DF}">
-                  <a14:hiddenLine xmlns="" xmlns:a14="http://schemas.microsoft.com/office/drawing/2010/main" w="9525">
+                  <a14:hiddenLine xmlns:a14="http://schemas.microsoft.com/office/drawing/2010/main" xmlns="" w="9525">
                     <a:solidFill>
                       <a:srgbClr val="000000"/>
                     </a:solidFill>
@@ -10891,7 +10891,7 @@
               </a:ln>
               <a:extLst>
                 <a:ext uri="{91240B29-F687-4f45-9708-019B960494DF}">
-                  <a14:hiddenLine xmlns="" xmlns:a14="http://schemas.microsoft.com/office/drawing/2010/main" w="9525">
+                  <a14:hiddenLine xmlns:a14="http://schemas.microsoft.com/office/drawing/2010/main" xmlns="" w="9525">
                     <a:solidFill>
                       <a:srgbClr val="000000"/>
                     </a:solidFill>
@@ -10956,7 +10956,7 @@
               </a:ln>
               <a:extLst>
                 <a:ext uri="{91240B29-F687-4f45-9708-019B960494DF}">
-                  <a14:hiddenLine xmlns="" xmlns:a14="http://schemas.microsoft.com/office/drawing/2010/main" w="9525">
+                  <a14:hiddenLine xmlns:a14="http://schemas.microsoft.com/office/drawing/2010/main" xmlns="" w="9525">
                     <a:solidFill>
                       <a:srgbClr val="000000"/>
                     </a:solidFill>
@@ -11076,7 +11076,7 @@
               </a:ln>
               <a:extLst>
                 <a:ext uri="{91240B29-F687-4f45-9708-019B960494DF}">
-                  <a14:hiddenLine xmlns="" xmlns:a14="http://schemas.microsoft.com/office/drawing/2010/main" w="9525">
+                  <a14:hiddenLine xmlns:a14="http://schemas.microsoft.com/office/drawing/2010/main" xmlns="" w="9525">
                     <a:solidFill>
                       <a:srgbClr val="000000"/>
                     </a:solidFill>
@@ -11174,7 +11174,7 @@
               </a:ln>
               <a:extLst>
                 <a:ext uri="{91240B29-F687-4f45-9708-019B960494DF}">
-                  <a14:hiddenLine xmlns="" xmlns:a14="http://schemas.microsoft.com/office/drawing/2010/main" w="9525">
+                  <a14:hiddenLine xmlns:a14="http://schemas.microsoft.com/office/drawing/2010/main" xmlns="" w="9525">
                     <a:solidFill>
                       <a:srgbClr val="000000"/>
                     </a:solidFill>
@@ -11289,7 +11289,7 @@
               </a:ln>
               <a:extLst>
                 <a:ext uri="{91240B29-F687-4f45-9708-019B960494DF}">
-                  <a14:hiddenLine xmlns="" xmlns:a14="http://schemas.microsoft.com/office/drawing/2010/main" w="9525">
+                  <a14:hiddenLine xmlns:a14="http://schemas.microsoft.com/office/drawing/2010/main" xmlns="" w="9525">
                     <a:solidFill>
                       <a:srgbClr val="000000"/>
                     </a:solidFill>
@@ -11379,7 +11379,7 @@
               </a:ln>
               <a:extLst>
                 <a:ext uri="{91240B29-F687-4f45-9708-019B960494DF}">
-                  <a14:hiddenLine xmlns="" xmlns:a14="http://schemas.microsoft.com/office/drawing/2010/main" w="9525">
+                  <a14:hiddenLine xmlns:a14="http://schemas.microsoft.com/office/drawing/2010/main" xmlns="" w="9525">
                     <a:solidFill>
                       <a:srgbClr val="000000"/>
                     </a:solidFill>
@@ -11444,7 +11444,7 @@
               </a:ln>
               <a:extLst>
                 <a:ext uri="{91240B29-F687-4f45-9708-019B960494DF}">
-                  <a14:hiddenLine xmlns="" xmlns:a14="http://schemas.microsoft.com/office/drawing/2010/main" w="9525">
+                  <a14:hiddenLine xmlns:a14="http://schemas.microsoft.com/office/drawing/2010/main" xmlns="" w="9525">
                     <a:solidFill>
                       <a:srgbClr val="000000"/>
                     </a:solidFill>
@@ -11534,7 +11534,7 @@
               </a:ln>
               <a:extLst>
                 <a:ext uri="{91240B29-F687-4f45-9708-019B960494DF}">
-                  <a14:hiddenLine xmlns="" xmlns:a14="http://schemas.microsoft.com/office/drawing/2010/main" w="9525">
+                  <a14:hiddenLine xmlns:a14="http://schemas.microsoft.com/office/drawing/2010/main" xmlns="" w="9525">
                     <a:solidFill>
                       <a:srgbClr val="000000"/>
                     </a:solidFill>
@@ -11602,7 +11602,7 @@
               </a:ln>
               <a:extLst>
                 <a:ext uri="{91240B29-F687-4f45-9708-019B960494DF}">
-                  <a14:hiddenLine xmlns="" xmlns:a14="http://schemas.microsoft.com/office/drawing/2010/main" w="9525">
+                  <a14:hiddenLine xmlns:a14="http://schemas.microsoft.com/office/drawing/2010/main" xmlns="" w="9525">
                     <a:solidFill>
                       <a:srgbClr val="000000"/>
                     </a:solidFill>
@@ -11692,7 +11692,7 @@
               </a:ln>
               <a:extLst>
                 <a:ext uri="{91240B29-F687-4f45-9708-019B960494DF}">
-                  <a14:hiddenLine xmlns="" xmlns:a14="http://schemas.microsoft.com/office/drawing/2010/main" w="9525">
+                  <a14:hiddenLine xmlns:a14="http://schemas.microsoft.com/office/drawing/2010/main" xmlns="" w="9525">
                     <a:solidFill>
                       <a:srgbClr val="000000"/>
                     </a:solidFill>
@@ -11760,7 +11760,7 @@
               </a:ln>
               <a:extLst>
                 <a:ext uri="{91240B29-F687-4f45-9708-019B960494DF}">
-                  <a14:hiddenLine xmlns="" xmlns:a14="http://schemas.microsoft.com/office/drawing/2010/main" w="9525">
+                  <a14:hiddenLine xmlns:a14="http://schemas.microsoft.com/office/drawing/2010/main" xmlns="" w="9525">
                     <a:solidFill>
                       <a:srgbClr val="000000"/>
                     </a:solidFill>
@@ -11850,7 +11850,7 @@
               </a:ln>
               <a:extLst>
                 <a:ext uri="{91240B29-F687-4f45-9708-019B960494DF}">
-                  <a14:hiddenLine xmlns="" xmlns:a14="http://schemas.microsoft.com/office/drawing/2010/main" w="9525">
+                  <a14:hiddenLine xmlns:a14="http://schemas.microsoft.com/office/drawing/2010/main" xmlns="" w="9525">
                     <a:solidFill>
                       <a:srgbClr val="000000"/>
                     </a:solidFill>
@@ -11884,7 +11884,7 @@
               </a:ln>
               <a:extLst>
                 <a:ext uri="{91240B29-F687-4f45-9708-019B960494DF}">
-                  <a14:hiddenLine xmlns="" xmlns:a14="http://schemas.microsoft.com/office/drawing/2010/main" w="9525">
+                  <a14:hiddenLine xmlns:a14="http://schemas.microsoft.com/office/drawing/2010/main" xmlns="" w="9525">
                     <a:solidFill>
                       <a:srgbClr val="000000"/>
                     </a:solidFill>
@@ -13558,7 +13558,15 @@
           <a:p>
             <a:r>
               <a:rPr lang="ru-RU" dirty="0"/>
-              <a:t>В основной программе 360 строк</a:t>
+              <a:t>В основной программе </a:t>
+            </a:r>
+            <a:r>
+              <a:rPr lang="en-US" dirty="0"/>
+              <a:t>412</a:t>
+            </a:r>
+            <a:r>
+              <a:rPr lang="ru-RU" dirty="0"/>
+              <a:t> строк</a:t>
             </a:r>
           </a:p>
           <a:p>
